--- a/doc/unfinished/Presentation/品質のページ.pptx
+++ b/doc/unfinished/Presentation/品質のページ.pptx
@@ -4184,7 +4184,7 @@
           <a:graphicData uri="http://schemas.openxmlformats.org/presentationml/2006/ole">
             <mc:AlternateContent xmlns:mc="http://schemas.openxmlformats.org/markup-compatibility/2006">
               <mc:Choice xmlns:v="urn:schemas-microsoft-com:vml" Requires="v">
-                <p:oleObj spid="_x0000_s1051" name="ワークシート" r:id="rId5" imgW="2943102" imgH="3781500" progId="Excel.Sheet.12">
+                <p:oleObj spid="_x0000_s1052" name="ワークシート" r:id="rId5" imgW="2943102" imgH="3781500" progId="Excel.Sheet.12">
                   <p:embed/>
                 </p:oleObj>
               </mc:Choice>
@@ -4672,7 +4672,7 @@
           <a:graphicData uri="http://schemas.openxmlformats.org/presentationml/2006/ole">
             <mc:AlternateContent xmlns:mc="http://schemas.openxmlformats.org/markup-compatibility/2006">
               <mc:Choice xmlns:v="urn:schemas-microsoft-com:vml" Requires="v">
-                <p:oleObj spid="_x0000_s2061" name="ワークシート" r:id="rId4" imgW="7086625" imgH="5105524" progId="Excel.Sheet.12">
+                <p:oleObj spid="_x0000_s2062" name="ワークシート" r:id="rId4" imgW="7086625" imgH="5105524" progId="Excel.Sheet.12">
                   <p:embed/>
                 </p:oleObj>
               </mc:Choice>
@@ -7511,7 +7511,7 @@
           <a:graphicData uri="http://schemas.openxmlformats.org/presentationml/2006/ole">
             <mc:AlternateContent xmlns:mc="http://schemas.openxmlformats.org/markup-compatibility/2006">
               <mc:Choice xmlns:v="urn:schemas-microsoft-com:vml" Requires="v">
-                <p:oleObj spid="_x0000_s3083" name="ワークシート" r:id="rId5" imgW="6362806" imgH="2314680" progId="Excel.Sheet.12">
+                <p:oleObj spid="_x0000_s3084" name="ワークシート" r:id="rId5" imgW="6362806" imgH="2314680" progId="Excel.Sheet.12">
                   <p:embed/>
                 </p:oleObj>
               </mc:Choice>
@@ -7691,8 +7691,49 @@
         </p:blipFill>
         <p:spPr bwMode="auto">
           <a:xfrm>
-            <a:off x="179512" y="2649612"/>
+            <a:off x="179512" y="4365104"/>
             <a:ext cx="8911895" cy="1715492"/>
+          </a:xfrm>
+          <a:prstGeom prst="rect">
+            <a:avLst/>
+          </a:prstGeom>
+          <a:noFill/>
+          <a:extLst>
+            <a:ext uri="{909E8E84-426E-40DD-AFC4-6F175D3DCCD1}">
+              <a14:hiddenFill xmlns:a14="http://schemas.microsoft.com/office/drawing/2010/main">
+                <a:solidFill>
+                  <a:srgbClr val="FFFFFF"/>
+                </a:solidFill>
+              </a14:hiddenFill>
+            </a:ext>
+          </a:extLst>
+        </p:spPr>
+      </p:pic>
+      <p:pic>
+        <p:nvPicPr>
+          <p:cNvPr id="4098" name="Picture 2" descr="C:\Users\li3145\Desktop\品質管理シート_スライド用.files\image003.png"/>
+          <p:cNvPicPr>
+            <a:picLocks noChangeAspect="1" noChangeArrowheads="1"/>
+          </p:cNvPicPr>
+          <p:nvPr/>
+        </p:nvPicPr>
+        <p:blipFill>
+          <a:blip r:embed="rId3">
+            <a:extLst>
+              <a:ext uri="{28A0092B-C50C-407E-A947-70E740481C1C}">
+                <a14:useLocalDpi xmlns:a14="http://schemas.microsoft.com/office/drawing/2010/main" val="0"/>
+              </a:ext>
+            </a:extLst>
+          </a:blip>
+          <a:srcRect/>
+          <a:stretch>
+            <a:fillRect/>
+          </a:stretch>
+        </p:blipFill>
+        <p:spPr bwMode="auto">
+          <a:xfrm>
+            <a:off x="611560" y="1916832"/>
+            <a:ext cx="7791450" cy="2011362"/>
           </a:xfrm>
           <a:prstGeom prst="rect">
             <a:avLst/>

--- a/doc/unfinished/Presentation/品質のページ.pptx
+++ b/doc/unfinished/Presentation/品質のページ.pptx
@@ -5,10 +5,10 @@
     <p:sldMasterId id="2147483648" r:id="rId1"/>
   </p:sldMasterIdLst>
   <p:notesMasterIdLst>
-    <p:notesMasterId r:id="rId7"/>
+    <p:notesMasterId r:id="rId8"/>
   </p:notesMasterIdLst>
   <p:handoutMasterIdLst>
-    <p:handoutMasterId r:id="rId8"/>
+    <p:handoutMasterId r:id="rId9"/>
   </p:handoutMasterIdLst>
   <p:sldIdLst>
     <p:sldId id="256" r:id="rId2"/>
@@ -16,6 +16,7 @@
     <p:sldId id="259" r:id="rId4"/>
     <p:sldId id="261" r:id="rId5"/>
     <p:sldId id="262" r:id="rId6"/>
+    <p:sldId id="263" r:id="rId7"/>
   </p:sldIdLst>
   <p:sldSz cx="9144000" cy="6858000" type="screen4x3"/>
   <p:notesSz cx="6858000" cy="9945688"/>
@@ -199,7 +200,7 @@
           <a:p>
             <a:fld id="{4CBDEA40-64DA-4009-9796-2417C3CC28FE}" type="datetimeFigureOut">
               <a:rPr kumimoji="1" lang="ja-JP" altLang="en-US" smtClean="0"/>
-              <a:t>2017/6/28</a:t>
+              <a:t>2017/6/29</a:t>
             </a:fld>
             <a:endParaRPr kumimoji="1" lang="ja-JP" altLang="en-US"/>
           </a:p>
@@ -364,7 +365,7 @@
           <a:p>
             <a:fld id="{7DC4FF85-2342-4A6B-A2C7-95FCC06A65F9}" type="datetimeFigureOut">
               <a:rPr kumimoji="1" lang="ja-JP" altLang="en-US" smtClean="0"/>
-              <a:t>2017/6/28</a:t>
+              <a:t>2017/6/29</a:t>
             </a:fld>
             <a:endParaRPr kumimoji="1" lang="ja-JP" altLang="en-US"/>
           </a:p>
@@ -1097,7 +1098,7 @@
           <a:p>
             <a:fld id="{E90ED720-0104-4369-84BC-D37694168613}" type="datetimeFigureOut">
               <a:rPr kumimoji="1" lang="ja-JP" altLang="en-US" smtClean="0"/>
-              <a:t>2017/6/28</a:t>
+              <a:t>2017/6/29</a:t>
             </a:fld>
             <a:endParaRPr kumimoji="1" lang="ja-JP" altLang="en-US"/>
           </a:p>
@@ -1294,7 +1295,7 @@
           <a:p>
             <a:fld id="{E90ED720-0104-4369-84BC-D37694168613}" type="datetimeFigureOut">
               <a:rPr kumimoji="1" lang="ja-JP" altLang="en-US" smtClean="0"/>
-              <a:t>2017/6/28</a:t>
+              <a:t>2017/6/29</a:t>
             </a:fld>
             <a:endParaRPr kumimoji="1" lang="ja-JP" altLang="en-US"/>
           </a:p>
@@ -1501,7 +1502,7 @@
           <a:p>
             <a:fld id="{E90ED720-0104-4369-84BC-D37694168613}" type="datetimeFigureOut">
               <a:rPr kumimoji="1" lang="ja-JP" altLang="en-US" smtClean="0"/>
-              <a:t>2017/6/28</a:t>
+              <a:t>2017/6/29</a:t>
             </a:fld>
             <a:endParaRPr kumimoji="1" lang="ja-JP" altLang="en-US"/>
           </a:p>
@@ -1698,7 +1699,7 @@
           <a:p>
             <a:fld id="{E90ED720-0104-4369-84BC-D37694168613}" type="datetimeFigureOut">
               <a:rPr kumimoji="1" lang="ja-JP" altLang="en-US" smtClean="0"/>
-              <a:t>2017/6/28</a:t>
+              <a:t>2017/6/29</a:t>
             </a:fld>
             <a:endParaRPr kumimoji="1" lang="ja-JP" altLang="en-US"/>
           </a:p>
@@ -1939,7 +1940,7 @@
           <a:p>
             <a:fld id="{E90ED720-0104-4369-84BC-D37694168613}" type="datetimeFigureOut">
               <a:rPr kumimoji="1" lang="ja-JP" altLang="en-US" smtClean="0"/>
-              <a:t>2017/6/28</a:t>
+              <a:t>2017/6/29</a:t>
             </a:fld>
             <a:endParaRPr kumimoji="1" lang="ja-JP" altLang="en-US"/>
           </a:p>
@@ -2286,7 +2287,7 @@
           <a:p>
             <a:fld id="{E90ED720-0104-4369-84BC-D37694168613}" type="datetimeFigureOut">
               <a:rPr kumimoji="1" lang="ja-JP" altLang="en-US" smtClean="0"/>
-              <a:t>2017/6/28</a:t>
+              <a:t>2017/6/29</a:t>
             </a:fld>
             <a:endParaRPr kumimoji="1" lang="ja-JP" altLang="en-US"/>
           </a:p>
@@ -2767,7 +2768,7 @@
           <a:p>
             <a:fld id="{E90ED720-0104-4369-84BC-D37694168613}" type="datetimeFigureOut">
               <a:rPr kumimoji="1" lang="ja-JP" altLang="en-US" smtClean="0"/>
-              <a:t>2017/6/28</a:t>
+              <a:t>2017/6/29</a:t>
             </a:fld>
             <a:endParaRPr kumimoji="1" lang="ja-JP" altLang="en-US"/>
           </a:p>
@@ -2880,7 +2881,7 @@
           <a:p>
             <a:fld id="{E90ED720-0104-4369-84BC-D37694168613}" type="datetimeFigureOut">
               <a:rPr kumimoji="1" lang="ja-JP" altLang="en-US" smtClean="0"/>
-              <a:t>2017/6/28</a:t>
+              <a:t>2017/6/29</a:t>
             </a:fld>
             <a:endParaRPr kumimoji="1" lang="ja-JP" altLang="en-US"/>
           </a:p>
@@ -2970,7 +2971,7 @@
           <a:p>
             <a:fld id="{E90ED720-0104-4369-84BC-D37694168613}" type="datetimeFigureOut">
               <a:rPr kumimoji="1" lang="ja-JP" altLang="en-US" smtClean="0"/>
-              <a:t>2017/6/28</a:t>
+              <a:t>2017/6/29</a:t>
             </a:fld>
             <a:endParaRPr kumimoji="1" lang="ja-JP" altLang="en-US"/>
           </a:p>
@@ -3274,7 +3275,7 @@
           <a:p>
             <a:fld id="{E90ED720-0104-4369-84BC-D37694168613}" type="datetimeFigureOut">
               <a:rPr kumimoji="1" lang="ja-JP" altLang="en-US" smtClean="0"/>
-              <a:t>2017/6/28</a:t>
+              <a:t>2017/6/29</a:t>
             </a:fld>
             <a:endParaRPr kumimoji="1" lang="ja-JP" altLang="en-US"/>
           </a:p>
@@ -3522,7 +3523,7 @@
           <a:p>
             <a:fld id="{E90ED720-0104-4369-84BC-D37694168613}" type="datetimeFigureOut">
               <a:rPr kumimoji="1" lang="ja-JP" altLang="en-US" smtClean="0"/>
-              <a:t>2017/6/28</a:t>
+              <a:t>2017/6/29</a:t>
             </a:fld>
             <a:endParaRPr kumimoji="1" lang="ja-JP" altLang="en-US"/>
           </a:p>
@@ -3762,7 +3763,7 @@
           <a:p>
             <a:fld id="{E90ED720-0104-4369-84BC-D37694168613}" type="datetimeFigureOut">
               <a:rPr kumimoji="1" lang="ja-JP" altLang="en-US" smtClean="0"/>
-              <a:t>2017/6/28</a:t>
+              <a:t>2017/6/29</a:t>
             </a:fld>
             <a:endParaRPr kumimoji="1" lang="ja-JP" altLang="en-US"/>
           </a:p>
@@ -4184,7 +4185,7 @@
           <a:graphicData uri="http://schemas.openxmlformats.org/presentationml/2006/ole">
             <mc:AlternateContent xmlns:mc="http://schemas.openxmlformats.org/markup-compatibility/2006">
               <mc:Choice xmlns:v="urn:schemas-microsoft-com:vml" Requires="v">
-                <p:oleObj spid="_x0000_s1052" name="ワークシート" r:id="rId5" imgW="2943102" imgH="3781500" progId="Excel.Sheet.12">
+                <p:oleObj spid="_x0000_s1053" name="ワークシート" r:id="rId5" imgW="2943102" imgH="3781500" progId="Excel.Sheet.12">
                   <p:embed/>
                 </p:oleObj>
               </mc:Choice>
@@ -4672,7 +4673,7 @@
           <a:graphicData uri="http://schemas.openxmlformats.org/presentationml/2006/ole">
             <mc:AlternateContent xmlns:mc="http://schemas.openxmlformats.org/markup-compatibility/2006">
               <mc:Choice xmlns:v="urn:schemas-microsoft-com:vml" Requires="v">
-                <p:oleObj spid="_x0000_s2062" name="ワークシート" r:id="rId4" imgW="7086625" imgH="5105524" progId="Excel.Sheet.12">
+                <p:oleObj spid="_x0000_s2063" name="ワークシート" r:id="rId4" imgW="7086625" imgH="5105524" progId="Excel.Sheet.12">
                   <p:embed/>
                 </p:oleObj>
               </mc:Choice>
@@ -7511,7 +7512,7 @@
           <a:graphicData uri="http://schemas.openxmlformats.org/presentationml/2006/ole">
             <mc:AlternateContent xmlns:mc="http://schemas.openxmlformats.org/markup-compatibility/2006">
               <mc:Choice xmlns:v="urn:schemas-microsoft-com:vml" Requires="v">
-                <p:oleObj spid="_x0000_s3084" name="ワークシート" r:id="rId5" imgW="6362806" imgH="2314680" progId="Excel.Sheet.12">
+                <p:oleObj spid="_x0000_s3085" name="ワークシート" r:id="rId5" imgW="6362806" imgH="2314680" progId="Excel.Sheet.12">
                   <p:embed/>
                 </p:oleObj>
               </mc:Choice>
@@ -7754,6 +7755,3411 @@
     <p:extLst>
       <p:ext uri="{BB962C8B-B14F-4D97-AF65-F5344CB8AC3E}">
         <p14:creationId xmlns:p14="http://schemas.microsoft.com/office/powerpoint/2010/main" val="47425158"/>
+      </p:ext>
+    </p:extLst>
+  </p:cSld>
+  <p:clrMapOvr>
+    <a:masterClrMapping/>
+  </p:clrMapOvr>
+</p:sld>
+</file>
+
+<file path=ppt/slides/slide6.xml><?xml version="1.0" encoding="utf-8"?>
+<p:sld xmlns:a="http://schemas.openxmlformats.org/drawingml/2006/main" xmlns:r="http://schemas.openxmlformats.org/officeDocument/2006/relationships" xmlns:p="http://schemas.openxmlformats.org/presentationml/2006/main">
+  <p:cSld>
+    <p:spTree>
+      <p:nvGrpSpPr>
+        <p:cNvPr id="1" name=""/>
+        <p:cNvGrpSpPr/>
+        <p:nvPr/>
+      </p:nvGrpSpPr>
+      <p:grpSpPr>
+        <a:xfrm>
+          <a:off x="0" y="0"/>
+          <a:ext cx="0" cy="0"/>
+          <a:chOff x="0" y="0"/>
+          <a:chExt cx="0" cy="0"/>
+        </a:xfrm>
+      </p:grpSpPr>
+      <p:sp>
+        <p:nvSpPr>
+          <p:cNvPr id="2" name="タイトル 1"/>
+          <p:cNvSpPr>
+            <a:spLocks noGrp="1"/>
+          </p:cNvSpPr>
+          <p:nvPr>
+            <p:ph type="title"/>
+          </p:nvPr>
+        </p:nvSpPr>
+        <p:spPr/>
+        <p:txBody>
+          <a:bodyPr/>
+          <a:lstStyle/>
+          <a:p>
+            <a:endParaRPr kumimoji="1" lang="ja-JP" altLang="en-US"/>
+          </a:p>
+        </p:txBody>
+      </p:sp>
+      <p:graphicFrame>
+        <p:nvGraphicFramePr>
+          <p:cNvPr id="5" name="表 4"/>
+          <p:cNvGraphicFramePr>
+            <a:graphicFrameLocks noGrp="1"/>
+          </p:cNvGraphicFramePr>
+          <p:nvPr/>
+        </p:nvGraphicFramePr>
+        <p:xfrm>
+          <a:off x="679450" y="2824956"/>
+          <a:ext cx="7785100" cy="2076450"/>
+        </p:xfrm>
+        <a:graphic>
+          <a:graphicData uri="http://schemas.openxmlformats.org/drawingml/2006/table">
+            <a:tbl>
+              <a:tblPr/>
+              <a:tblGrid>
+                <a:gridCol w="1019175"/>
+                <a:gridCol w="1209675"/>
+                <a:gridCol w="660400"/>
+                <a:gridCol w="523875"/>
+                <a:gridCol w="523875"/>
+                <a:gridCol w="523875"/>
+                <a:gridCol w="523875"/>
+                <a:gridCol w="2800350"/>
+              </a:tblGrid>
+              <a:tr h="171450">
+                <a:tc>
+                  <a:txBody>
+                    <a:bodyPr/>
+                    <a:lstStyle/>
+                    <a:p>
+                      <a:pPr algn="ctr" fontAlgn="ctr"/>
+                      <a:r>
+                        <a:rPr lang="ja-JP" altLang="en-US" sz="1100" b="1" i="0" u="none" strike="noStrike">
+                          <a:solidFill>
+                            <a:srgbClr val="000000"/>
+                          </a:solidFill>
+                          <a:effectLst/>
+                          <a:latin typeface="ＭＳ Ｐゴシック"/>
+                        </a:rPr>
+                        <a:t>工程</a:t>
+                      </a:r>
+                    </a:p>
+                  </a:txBody>
+                  <a:tcPr marL="9525" marR="9525" marT="9525" marB="0" anchor="ctr">
+                    <a:lnL w="6350" cap="flat" cmpd="sng" algn="ctr">
+                      <a:solidFill>
+                        <a:srgbClr val="000000"/>
+                      </a:solidFill>
+                      <a:prstDash val="solid"/>
+                      <a:round/>
+                      <a:headEnd type="none" w="med" len="med"/>
+                      <a:tailEnd type="none" w="med" len="med"/>
+                    </a:lnL>
+                    <a:lnR w="6350" cap="flat" cmpd="sng" algn="ctr">
+                      <a:solidFill>
+                        <a:srgbClr val="000000"/>
+                      </a:solidFill>
+                      <a:prstDash val="solid"/>
+                      <a:round/>
+                      <a:headEnd type="none" w="med" len="med"/>
+                      <a:tailEnd type="none" w="med" len="med"/>
+                    </a:lnR>
+                    <a:lnT w="6350" cap="flat" cmpd="sng" algn="ctr">
+                      <a:solidFill>
+                        <a:srgbClr val="000000"/>
+                      </a:solidFill>
+                      <a:prstDash val="solid"/>
+                      <a:round/>
+                      <a:headEnd type="none" w="med" len="med"/>
+                      <a:tailEnd type="none" w="med" len="med"/>
+                    </a:lnT>
+                    <a:lnB w="6350" cap="flat" cmpd="sng" algn="ctr">
+                      <a:solidFill>
+                        <a:srgbClr val="000000"/>
+                      </a:solidFill>
+                      <a:prstDash val="solid"/>
+                      <a:round/>
+                      <a:headEnd type="none" w="med" len="med"/>
+                      <a:tailEnd type="none" w="med" len="med"/>
+                    </a:lnB>
+                    <a:solidFill>
+                      <a:srgbClr val="D9D9D9"/>
+                    </a:solidFill>
+                  </a:tcPr>
+                </a:tc>
+                <a:tc>
+                  <a:txBody>
+                    <a:bodyPr/>
+                    <a:lstStyle/>
+                    <a:p>
+                      <a:pPr algn="ctr" fontAlgn="ctr"/>
+                      <a:r>
+                        <a:rPr lang="ja-JP" altLang="en-US" sz="1100" b="1" i="0" u="none" strike="noStrike">
+                          <a:solidFill>
+                            <a:srgbClr val="000000"/>
+                          </a:solidFill>
+                          <a:effectLst/>
+                          <a:latin typeface="ＭＳ Ｐゴシック"/>
+                        </a:rPr>
+                        <a:t>品質指標</a:t>
+                      </a:r>
+                    </a:p>
+                  </a:txBody>
+                  <a:tcPr marL="9525" marR="9525" marT="9525" marB="0" anchor="ctr">
+                    <a:lnL w="6350" cap="flat" cmpd="sng" algn="ctr">
+                      <a:solidFill>
+                        <a:srgbClr val="000000"/>
+                      </a:solidFill>
+                      <a:prstDash val="solid"/>
+                      <a:round/>
+                      <a:headEnd type="none" w="med" len="med"/>
+                      <a:tailEnd type="none" w="med" len="med"/>
+                    </a:lnL>
+                    <a:lnR w="6350" cap="flat" cmpd="sng" algn="ctr">
+                      <a:solidFill>
+                        <a:srgbClr val="000000"/>
+                      </a:solidFill>
+                      <a:prstDash val="solid"/>
+                      <a:round/>
+                      <a:headEnd type="none" w="med" len="med"/>
+                      <a:tailEnd type="none" w="med" len="med"/>
+                    </a:lnR>
+                    <a:lnT w="6350" cap="flat" cmpd="sng" algn="ctr">
+                      <a:solidFill>
+                        <a:srgbClr val="000000"/>
+                      </a:solidFill>
+                      <a:prstDash val="solid"/>
+                      <a:round/>
+                      <a:headEnd type="none" w="med" len="med"/>
+                      <a:tailEnd type="none" w="med" len="med"/>
+                    </a:lnT>
+                    <a:lnB w="6350" cap="flat" cmpd="sng" algn="ctr">
+                      <a:solidFill>
+                        <a:srgbClr val="000000"/>
+                      </a:solidFill>
+                      <a:prstDash val="solid"/>
+                      <a:round/>
+                      <a:headEnd type="none" w="med" len="med"/>
+                      <a:tailEnd type="none" w="med" len="med"/>
+                    </a:lnB>
+                    <a:solidFill>
+                      <a:srgbClr val="D9D9D9"/>
+                    </a:solidFill>
+                  </a:tcPr>
+                </a:tc>
+                <a:tc>
+                  <a:txBody>
+                    <a:bodyPr/>
+                    <a:lstStyle/>
+                    <a:p>
+                      <a:pPr algn="ctr" fontAlgn="ctr"/>
+                      <a:r>
+                        <a:rPr lang="ja-JP" altLang="en-US" sz="1100" b="1" i="0" u="none" strike="noStrike">
+                          <a:solidFill>
+                            <a:srgbClr val="000000"/>
+                          </a:solidFill>
+                          <a:effectLst/>
+                          <a:latin typeface="ＭＳ Ｐゴシック"/>
+                        </a:rPr>
+                        <a:t>単位</a:t>
+                      </a:r>
+                    </a:p>
+                  </a:txBody>
+                  <a:tcPr marL="9525" marR="9525" marT="9525" marB="0" anchor="ctr">
+                    <a:lnL w="6350" cap="flat" cmpd="sng" algn="ctr">
+                      <a:solidFill>
+                        <a:srgbClr val="000000"/>
+                      </a:solidFill>
+                      <a:prstDash val="solid"/>
+                      <a:round/>
+                      <a:headEnd type="none" w="med" len="med"/>
+                      <a:tailEnd type="none" w="med" len="med"/>
+                    </a:lnL>
+                    <a:lnR w="6350" cap="flat" cmpd="sng" algn="ctr">
+                      <a:solidFill>
+                        <a:srgbClr val="000000"/>
+                      </a:solidFill>
+                      <a:prstDash val="solid"/>
+                      <a:round/>
+                      <a:headEnd type="none" w="med" len="med"/>
+                      <a:tailEnd type="none" w="med" len="med"/>
+                    </a:lnR>
+                    <a:lnT w="6350" cap="flat" cmpd="sng" algn="ctr">
+                      <a:solidFill>
+                        <a:srgbClr val="000000"/>
+                      </a:solidFill>
+                      <a:prstDash val="solid"/>
+                      <a:round/>
+                      <a:headEnd type="none" w="med" len="med"/>
+                      <a:tailEnd type="none" w="med" len="med"/>
+                    </a:lnT>
+                    <a:lnB w="6350" cap="flat" cmpd="sng" algn="ctr">
+                      <a:solidFill>
+                        <a:srgbClr val="000000"/>
+                      </a:solidFill>
+                      <a:prstDash val="solid"/>
+                      <a:round/>
+                      <a:headEnd type="none" w="med" len="med"/>
+                      <a:tailEnd type="none" w="med" len="med"/>
+                    </a:lnB>
+                    <a:solidFill>
+                      <a:srgbClr val="D9D9D9"/>
+                    </a:solidFill>
+                  </a:tcPr>
+                </a:tc>
+                <a:tc>
+                  <a:txBody>
+                    <a:bodyPr/>
+                    <a:lstStyle/>
+                    <a:p>
+                      <a:pPr algn="ctr" fontAlgn="ctr"/>
+                      <a:r>
+                        <a:rPr lang="ja-JP" altLang="en-US" sz="1100" b="1" i="0" u="none" strike="noStrike">
+                          <a:solidFill>
+                            <a:srgbClr val="000000"/>
+                          </a:solidFill>
+                          <a:effectLst/>
+                          <a:latin typeface="ＭＳ Ｐゴシック"/>
+                        </a:rPr>
+                        <a:t>指標値</a:t>
+                      </a:r>
+                    </a:p>
+                  </a:txBody>
+                  <a:tcPr marL="9525" marR="9525" marT="9525" marB="0" anchor="ctr">
+                    <a:lnL w="6350" cap="flat" cmpd="sng" algn="ctr">
+                      <a:solidFill>
+                        <a:srgbClr val="000000"/>
+                      </a:solidFill>
+                      <a:prstDash val="solid"/>
+                      <a:round/>
+                      <a:headEnd type="none" w="med" len="med"/>
+                      <a:tailEnd type="none" w="med" len="med"/>
+                    </a:lnL>
+                    <a:lnR w="6350" cap="flat" cmpd="sng" algn="ctr">
+                      <a:solidFill>
+                        <a:srgbClr val="000000"/>
+                      </a:solidFill>
+                      <a:prstDash val="solid"/>
+                      <a:round/>
+                      <a:headEnd type="none" w="med" len="med"/>
+                      <a:tailEnd type="none" w="med" len="med"/>
+                    </a:lnR>
+                    <a:lnT w="6350" cap="flat" cmpd="sng" algn="ctr">
+                      <a:solidFill>
+                        <a:srgbClr val="000000"/>
+                      </a:solidFill>
+                      <a:prstDash val="solid"/>
+                      <a:round/>
+                      <a:headEnd type="none" w="med" len="med"/>
+                      <a:tailEnd type="none" w="med" len="med"/>
+                    </a:lnT>
+                    <a:lnB w="6350" cap="flat" cmpd="sng" algn="ctr">
+                      <a:solidFill>
+                        <a:srgbClr val="000000"/>
+                      </a:solidFill>
+                      <a:prstDash val="solid"/>
+                      <a:round/>
+                      <a:headEnd type="none" w="med" len="med"/>
+                      <a:tailEnd type="none" w="med" len="med"/>
+                    </a:lnB>
+                    <a:solidFill>
+                      <a:srgbClr val="D9D9D9"/>
+                    </a:solidFill>
+                  </a:tcPr>
+                </a:tc>
+                <a:tc>
+                  <a:txBody>
+                    <a:bodyPr/>
+                    <a:lstStyle/>
+                    <a:p>
+                      <a:pPr algn="ctr" fontAlgn="ctr"/>
+                      <a:r>
+                        <a:rPr lang="ja-JP" altLang="en-US" sz="1100" b="1" i="0" u="none" strike="noStrike">
+                          <a:solidFill>
+                            <a:srgbClr val="000000"/>
+                          </a:solidFill>
+                          <a:effectLst/>
+                          <a:latin typeface="ＭＳ Ｐゴシック"/>
+                        </a:rPr>
+                        <a:t>下限値</a:t>
+                      </a:r>
+                    </a:p>
+                  </a:txBody>
+                  <a:tcPr marL="9525" marR="9525" marT="9525" marB="0" anchor="ctr">
+                    <a:lnL w="6350" cap="flat" cmpd="sng" algn="ctr">
+                      <a:solidFill>
+                        <a:srgbClr val="000000"/>
+                      </a:solidFill>
+                      <a:prstDash val="solid"/>
+                      <a:round/>
+                      <a:headEnd type="none" w="med" len="med"/>
+                      <a:tailEnd type="none" w="med" len="med"/>
+                    </a:lnL>
+                    <a:lnR w="6350" cap="flat" cmpd="sng" algn="ctr">
+                      <a:solidFill>
+                        <a:srgbClr val="000000"/>
+                      </a:solidFill>
+                      <a:prstDash val="solid"/>
+                      <a:round/>
+                      <a:headEnd type="none" w="med" len="med"/>
+                      <a:tailEnd type="none" w="med" len="med"/>
+                    </a:lnR>
+                    <a:lnT w="6350" cap="flat" cmpd="sng" algn="ctr">
+                      <a:solidFill>
+                        <a:srgbClr val="000000"/>
+                      </a:solidFill>
+                      <a:prstDash val="solid"/>
+                      <a:round/>
+                      <a:headEnd type="none" w="med" len="med"/>
+                      <a:tailEnd type="none" w="med" len="med"/>
+                    </a:lnT>
+                    <a:lnB w="6350" cap="flat" cmpd="sng" algn="ctr">
+                      <a:solidFill>
+                        <a:srgbClr val="000000"/>
+                      </a:solidFill>
+                      <a:prstDash val="solid"/>
+                      <a:round/>
+                      <a:headEnd type="none" w="med" len="med"/>
+                      <a:tailEnd type="none" w="med" len="med"/>
+                    </a:lnB>
+                    <a:solidFill>
+                      <a:srgbClr val="D9D9D9"/>
+                    </a:solidFill>
+                  </a:tcPr>
+                </a:tc>
+                <a:tc>
+                  <a:txBody>
+                    <a:bodyPr/>
+                    <a:lstStyle/>
+                    <a:p>
+                      <a:pPr algn="ctr" fontAlgn="ctr"/>
+                      <a:r>
+                        <a:rPr lang="ja-JP" altLang="en-US" sz="1100" b="1" i="0" u="none" strike="noStrike">
+                          <a:solidFill>
+                            <a:srgbClr val="000000"/>
+                          </a:solidFill>
+                          <a:effectLst/>
+                          <a:latin typeface="ＭＳ Ｐゴシック"/>
+                        </a:rPr>
+                        <a:t>上限値</a:t>
+                      </a:r>
+                    </a:p>
+                  </a:txBody>
+                  <a:tcPr marL="9525" marR="9525" marT="9525" marB="0" anchor="ctr">
+                    <a:lnL w="6350" cap="flat" cmpd="sng" algn="ctr">
+                      <a:solidFill>
+                        <a:srgbClr val="000000"/>
+                      </a:solidFill>
+                      <a:prstDash val="solid"/>
+                      <a:round/>
+                      <a:headEnd type="none" w="med" len="med"/>
+                      <a:tailEnd type="none" w="med" len="med"/>
+                    </a:lnL>
+                    <a:lnR w="6350" cap="flat" cmpd="sng" algn="ctr">
+                      <a:solidFill>
+                        <a:srgbClr val="000000"/>
+                      </a:solidFill>
+                      <a:prstDash val="solid"/>
+                      <a:round/>
+                      <a:headEnd type="none" w="med" len="med"/>
+                      <a:tailEnd type="none" w="med" len="med"/>
+                    </a:lnR>
+                    <a:lnT w="6350" cap="flat" cmpd="sng" algn="ctr">
+                      <a:solidFill>
+                        <a:srgbClr val="000000"/>
+                      </a:solidFill>
+                      <a:prstDash val="solid"/>
+                      <a:round/>
+                      <a:headEnd type="none" w="med" len="med"/>
+                      <a:tailEnd type="none" w="med" len="med"/>
+                    </a:lnT>
+                    <a:lnB w="6350" cap="flat" cmpd="sng" algn="ctr">
+                      <a:solidFill>
+                        <a:srgbClr val="000000"/>
+                      </a:solidFill>
+                      <a:prstDash val="solid"/>
+                      <a:round/>
+                      <a:headEnd type="none" w="med" len="med"/>
+                      <a:tailEnd type="none" w="med" len="med"/>
+                    </a:lnB>
+                    <a:solidFill>
+                      <a:srgbClr val="D9D9D9"/>
+                    </a:solidFill>
+                  </a:tcPr>
+                </a:tc>
+                <a:tc>
+                  <a:txBody>
+                    <a:bodyPr/>
+                    <a:lstStyle/>
+                    <a:p>
+                      <a:pPr algn="ctr" fontAlgn="ctr"/>
+                      <a:r>
+                        <a:rPr lang="ja-JP" altLang="en-US" sz="1100" b="1" i="0" u="none" strike="noStrike">
+                          <a:solidFill>
+                            <a:srgbClr val="000000"/>
+                          </a:solidFill>
+                          <a:effectLst/>
+                          <a:latin typeface="ＭＳ Ｐゴシック"/>
+                        </a:rPr>
+                        <a:t>実績値</a:t>
+                      </a:r>
+                    </a:p>
+                  </a:txBody>
+                  <a:tcPr marL="9525" marR="9525" marT="9525" marB="0" anchor="ctr">
+                    <a:lnL w="6350" cap="flat" cmpd="sng" algn="ctr">
+                      <a:solidFill>
+                        <a:srgbClr val="000000"/>
+                      </a:solidFill>
+                      <a:prstDash val="solid"/>
+                      <a:round/>
+                      <a:headEnd type="none" w="med" len="med"/>
+                      <a:tailEnd type="none" w="med" len="med"/>
+                    </a:lnL>
+                    <a:lnR w="6350" cap="flat" cmpd="sng" algn="ctr">
+                      <a:solidFill>
+                        <a:srgbClr val="000000"/>
+                      </a:solidFill>
+                      <a:prstDash val="solid"/>
+                      <a:round/>
+                      <a:headEnd type="none" w="med" len="med"/>
+                      <a:tailEnd type="none" w="med" len="med"/>
+                    </a:lnR>
+                    <a:lnT w="6350" cap="flat" cmpd="sng" algn="ctr">
+                      <a:solidFill>
+                        <a:srgbClr val="000000"/>
+                      </a:solidFill>
+                      <a:prstDash val="solid"/>
+                      <a:round/>
+                      <a:headEnd type="none" w="med" len="med"/>
+                      <a:tailEnd type="none" w="med" len="med"/>
+                    </a:lnT>
+                    <a:lnB w="6350" cap="flat" cmpd="sng" algn="ctr">
+                      <a:solidFill>
+                        <a:srgbClr val="000000"/>
+                      </a:solidFill>
+                      <a:prstDash val="solid"/>
+                      <a:round/>
+                      <a:headEnd type="none" w="med" len="med"/>
+                      <a:tailEnd type="none" w="med" len="med"/>
+                    </a:lnB>
+                    <a:solidFill>
+                      <a:srgbClr val="D9D9D9"/>
+                    </a:solidFill>
+                  </a:tcPr>
+                </a:tc>
+                <a:tc>
+                  <a:txBody>
+                    <a:bodyPr/>
+                    <a:lstStyle/>
+                    <a:p>
+                      <a:pPr algn="ctr" fontAlgn="ctr"/>
+                      <a:r>
+                        <a:rPr lang="zh-TW" altLang="en-US" sz="1100" b="1" i="0" u="none" strike="noStrike">
+                          <a:solidFill>
+                            <a:srgbClr val="000000"/>
+                          </a:solidFill>
+                          <a:effectLst/>
+                          <a:latin typeface="ＭＳ Ｐゴシック"/>
+                        </a:rPr>
+                        <a:t>品質評価結果</a:t>
+                      </a:r>
+                    </a:p>
+                  </a:txBody>
+                  <a:tcPr marL="9525" marR="9525" marT="9525" marB="0" anchor="ctr">
+                    <a:lnL w="6350" cap="flat" cmpd="sng" algn="ctr">
+                      <a:solidFill>
+                        <a:srgbClr val="000000"/>
+                      </a:solidFill>
+                      <a:prstDash val="solid"/>
+                      <a:round/>
+                      <a:headEnd type="none" w="med" len="med"/>
+                      <a:tailEnd type="none" w="med" len="med"/>
+                    </a:lnL>
+                    <a:lnR w="6350" cap="flat" cmpd="sng" algn="ctr">
+                      <a:solidFill>
+                        <a:srgbClr val="000000"/>
+                      </a:solidFill>
+                      <a:prstDash val="solid"/>
+                      <a:round/>
+                      <a:headEnd type="none" w="med" len="med"/>
+                      <a:tailEnd type="none" w="med" len="med"/>
+                    </a:lnR>
+                    <a:lnT w="6350" cap="flat" cmpd="sng" algn="ctr">
+                      <a:solidFill>
+                        <a:srgbClr val="000000"/>
+                      </a:solidFill>
+                      <a:prstDash val="solid"/>
+                      <a:round/>
+                      <a:headEnd type="none" w="med" len="med"/>
+                      <a:tailEnd type="none" w="med" len="med"/>
+                    </a:lnT>
+                    <a:lnB w="6350" cap="flat" cmpd="sng" algn="ctr">
+                      <a:solidFill>
+                        <a:srgbClr val="000000"/>
+                      </a:solidFill>
+                      <a:prstDash val="solid"/>
+                      <a:round/>
+                      <a:headEnd type="none" w="med" len="med"/>
+                      <a:tailEnd type="none" w="med" len="med"/>
+                    </a:lnB>
+                    <a:solidFill>
+                      <a:srgbClr val="D9D9D9"/>
+                    </a:solidFill>
+                  </a:tcPr>
+                </a:tc>
+              </a:tr>
+              <a:tr h="304800">
+                <a:tc rowSpan="2">
+                  <a:txBody>
+                    <a:bodyPr/>
+                    <a:lstStyle/>
+                    <a:p>
+                      <a:pPr algn="ctr" fontAlgn="ctr"/>
+                      <a:r>
+                        <a:rPr lang="ja-JP" altLang="en-US" sz="1100" b="0" i="0" u="none" strike="noStrike">
+                          <a:solidFill>
+                            <a:srgbClr val="000000"/>
+                          </a:solidFill>
+                          <a:effectLst/>
+                          <a:latin typeface="ＭＳ Ｐゴシック"/>
+                        </a:rPr>
+                        <a:t>単体テスト</a:t>
+                      </a:r>
+                      <a:br>
+                        <a:rPr lang="ja-JP" altLang="en-US" sz="1100" b="0" i="0" u="none" strike="noStrike">
+                          <a:solidFill>
+                            <a:srgbClr val="000000"/>
+                          </a:solidFill>
+                          <a:effectLst/>
+                          <a:latin typeface="ＭＳ Ｐゴシック"/>
+                        </a:rPr>
+                      </a:br>
+                      <a:r>
+                        <a:rPr lang="ja-JP" altLang="en-US" sz="1100" b="0" i="0" u="none" strike="noStrike">
+                          <a:solidFill>
+                            <a:srgbClr val="000000"/>
+                          </a:solidFill>
+                          <a:effectLst/>
+                          <a:latin typeface="ＭＳ Ｐゴシック"/>
+                        </a:rPr>
+                        <a:t>（</a:t>
+                      </a:r>
+                      <a:r>
+                        <a:rPr lang="en-US" altLang="ja-JP" sz="1100" b="0" i="0" u="none" strike="noStrike">
+                          <a:solidFill>
+                            <a:srgbClr val="000000"/>
+                          </a:solidFill>
+                          <a:effectLst/>
+                          <a:latin typeface="ＭＳ Ｐゴシック"/>
+                        </a:rPr>
+                        <a:t>DAO</a:t>
+                      </a:r>
+                      <a:r>
+                        <a:rPr lang="ja-JP" altLang="en-US" sz="1100" b="0" i="0" u="none" strike="noStrike">
+                          <a:solidFill>
+                            <a:srgbClr val="000000"/>
+                          </a:solidFill>
+                          <a:effectLst/>
+                          <a:latin typeface="ＭＳ Ｐゴシック"/>
+                        </a:rPr>
+                        <a:t>）</a:t>
+                      </a:r>
+                    </a:p>
+                  </a:txBody>
+                  <a:tcPr marL="9525" marR="9525" marT="9525" marB="0" anchor="ctr">
+                    <a:lnL w="6350" cap="flat" cmpd="sng" algn="ctr">
+                      <a:solidFill>
+                        <a:srgbClr val="000000"/>
+                      </a:solidFill>
+                      <a:prstDash val="solid"/>
+                      <a:round/>
+                      <a:headEnd type="none" w="med" len="med"/>
+                      <a:tailEnd type="none" w="med" len="med"/>
+                    </a:lnL>
+                    <a:lnR w="6350" cap="flat" cmpd="sng" algn="ctr">
+                      <a:solidFill>
+                        <a:srgbClr val="000000"/>
+                      </a:solidFill>
+                      <a:prstDash val="solid"/>
+                      <a:round/>
+                      <a:headEnd type="none" w="med" len="med"/>
+                      <a:tailEnd type="none" w="med" len="med"/>
+                    </a:lnR>
+                    <a:lnT w="6350" cap="flat" cmpd="sng" algn="ctr">
+                      <a:solidFill>
+                        <a:srgbClr val="000000"/>
+                      </a:solidFill>
+                      <a:prstDash val="solid"/>
+                      <a:round/>
+                      <a:headEnd type="none" w="med" len="med"/>
+                      <a:tailEnd type="none" w="med" len="med"/>
+                    </a:lnT>
+                    <a:lnB w="6350" cap="flat" cmpd="sng" algn="ctr">
+                      <a:solidFill>
+                        <a:srgbClr val="000000"/>
+                      </a:solidFill>
+                      <a:prstDash val="solid"/>
+                      <a:round/>
+                      <a:headEnd type="none" w="med" len="med"/>
+                      <a:tailEnd type="none" w="med" len="med"/>
+                    </a:lnB>
+                  </a:tcPr>
+                </a:tc>
+                <a:tc>
+                  <a:txBody>
+                    <a:bodyPr/>
+                    <a:lstStyle/>
+                    <a:p>
+                      <a:pPr algn="l" fontAlgn="ctr"/>
+                      <a:r>
+                        <a:rPr lang="ja-JP" altLang="en-US" sz="1100" b="0" i="0" u="none" strike="noStrike">
+                          <a:solidFill>
+                            <a:srgbClr val="000000"/>
+                          </a:solidFill>
+                          <a:effectLst/>
+                          <a:latin typeface="ＭＳ Ｐゴシック"/>
+                        </a:rPr>
+                        <a:t>テスト項目設定率</a:t>
+                      </a:r>
+                    </a:p>
+                  </a:txBody>
+                  <a:tcPr marL="9525" marR="9525" marT="9525" marB="0" anchor="ctr">
+                    <a:lnL w="6350" cap="flat" cmpd="sng" algn="ctr">
+                      <a:solidFill>
+                        <a:srgbClr val="000000"/>
+                      </a:solidFill>
+                      <a:prstDash val="solid"/>
+                      <a:round/>
+                      <a:headEnd type="none" w="med" len="med"/>
+                      <a:tailEnd type="none" w="med" len="med"/>
+                    </a:lnL>
+                    <a:lnR w="6350" cap="flat" cmpd="sng" algn="ctr">
+                      <a:solidFill>
+                        <a:srgbClr val="000000"/>
+                      </a:solidFill>
+                      <a:prstDash val="solid"/>
+                      <a:round/>
+                      <a:headEnd type="none" w="med" len="med"/>
+                      <a:tailEnd type="none" w="med" len="med"/>
+                    </a:lnR>
+                    <a:lnT w="6350" cap="flat" cmpd="sng" algn="ctr">
+                      <a:solidFill>
+                        <a:srgbClr val="000000"/>
+                      </a:solidFill>
+                      <a:prstDash val="solid"/>
+                      <a:round/>
+                      <a:headEnd type="none" w="med" len="med"/>
+                      <a:tailEnd type="none" w="med" len="med"/>
+                    </a:lnT>
+                    <a:lnB w="6350" cap="flat" cmpd="sng" algn="ctr">
+                      <a:solidFill>
+                        <a:srgbClr val="000000"/>
+                      </a:solidFill>
+                      <a:prstDash val="solid"/>
+                      <a:round/>
+                      <a:headEnd type="none" w="med" len="med"/>
+                      <a:tailEnd type="none" w="med" len="med"/>
+                    </a:lnB>
+                  </a:tcPr>
+                </a:tc>
+                <a:tc>
+                  <a:txBody>
+                    <a:bodyPr/>
+                    <a:lstStyle/>
+                    <a:p>
+                      <a:pPr algn="l" fontAlgn="ctr"/>
+                      <a:r>
+                        <a:rPr lang="ja-JP" altLang="en-US" sz="1100" b="0" i="0" u="none" strike="noStrike">
+                          <a:solidFill>
+                            <a:srgbClr val="000000"/>
+                          </a:solidFill>
+                          <a:effectLst/>
+                          <a:latin typeface="ＭＳ Ｐゴシック"/>
+                        </a:rPr>
+                        <a:t>項目</a:t>
+                      </a:r>
+                      <a:r>
+                        <a:rPr lang="en-US" altLang="ja-JP" sz="1100" b="0" i="0" u="none" strike="noStrike">
+                          <a:solidFill>
+                            <a:srgbClr val="000000"/>
+                          </a:solidFill>
+                          <a:effectLst/>
+                          <a:latin typeface="ＭＳ Ｐゴシック"/>
+                        </a:rPr>
+                        <a:t>/</a:t>
+                      </a:r>
+                      <a:r>
+                        <a:rPr lang="en-US" sz="1100" b="0" i="0" u="none" strike="noStrike">
+                          <a:solidFill>
+                            <a:srgbClr val="000000"/>
+                          </a:solidFill>
+                          <a:effectLst/>
+                          <a:latin typeface="ＭＳ Ｐゴシック"/>
+                        </a:rPr>
+                        <a:t>Ks</a:t>
+                      </a:r>
+                    </a:p>
+                  </a:txBody>
+                  <a:tcPr marL="9525" marR="9525" marT="9525" marB="0" anchor="ctr">
+                    <a:lnL w="6350" cap="flat" cmpd="sng" algn="ctr">
+                      <a:solidFill>
+                        <a:srgbClr val="000000"/>
+                      </a:solidFill>
+                      <a:prstDash val="solid"/>
+                      <a:round/>
+                      <a:headEnd type="none" w="med" len="med"/>
+                      <a:tailEnd type="none" w="med" len="med"/>
+                    </a:lnL>
+                    <a:lnR w="6350" cap="flat" cmpd="sng" algn="ctr">
+                      <a:solidFill>
+                        <a:srgbClr val="000000"/>
+                      </a:solidFill>
+                      <a:prstDash val="solid"/>
+                      <a:round/>
+                      <a:headEnd type="none" w="med" len="med"/>
+                      <a:tailEnd type="none" w="med" len="med"/>
+                    </a:lnR>
+                    <a:lnT w="6350" cap="flat" cmpd="sng" algn="ctr">
+                      <a:solidFill>
+                        <a:srgbClr val="000000"/>
+                      </a:solidFill>
+                      <a:prstDash val="solid"/>
+                      <a:round/>
+                      <a:headEnd type="none" w="med" len="med"/>
+                      <a:tailEnd type="none" w="med" len="med"/>
+                    </a:lnT>
+                    <a:lnB w="6350" cap="flat" cmpd="sng" algn="ctr">
+                      <a:solidFill>
+                        <a:srgbClr val="000000"/>
+                      </a:solidFill>
+                      <a:prstDash val="solid"/>
+                      <a:round/>
+                      <a:headEnd type="none" w="med" len="med"/>
+                      <a:tailEnd type="none" w="med" len="med"/>
+                    </a:lnB>
+                  </a:tcPr>
+                </a:tc>
+                <a:tc>
+                  <a:txBody>
+                    <a:bodyPr/>
+                    <a:lstStyle/>
+                    <a:p>
+                      <a:pPr algn="ctr" fontAlgn="ctr"/>
+                      <a:r>
+                        <a:rPr lang="en-US" altLang="ja-JP" sz="1100" b="0" i="0" u="none" strike="noStrike">
+                          <a:solidFill>
+                            <a:srgbClr val="000000"/>
+                          </a:solidFill>
+                          <a:effectLst/>
+                          <a:latin typeface="ＭＳ Ｐゴシック"/>
+                        </a:rPr>
+                        <a:t>80.0</a:t>
+                      </a:r>
+                    </a:p>
+                  </a:txBody>
+                  <a:tcPr marL="9525" marR="9525" marT="9525" marB="0" anchor="ctr">
+                    <a:lnL w="6350" cap="flat" cmpd="sng" algn="ctr">
+                      <a:solidFill>
+                        <a:srgbClr val="000000"/>
+                      </a:solidFill>
+                      <a:prstDash val="solid"/>
+                      <a:round/>
+                      <a:headEnd type="none" w="med" len="med"/>
+                      <a:tailEnd type="none" w="med" len="med"/>
+                    </a:lnL>
+                    <a:lnR w="6350" cap="flat" cmpd="sng" algn="ctr">
+                      <a:solidFill>
+                        <a:srgbClr val="000000"/>
+                      </a:solidFill>
+                      <a:prstDash val="solid"/>
+                      <a:round/>
+                      <a:headEnd type="none" w="med" len="med"/>
+                      <a:tailEnd type="none" w="med" len="med"/>
+                    </a:lnR>
+                    <a:lnT w="6350" cap="flat" cmpd="sng" algn="ctr">
+                      <a:solidFill>
+                        <a:srgbClr val="000000"/>
+                      </a:solidFill>
+                      <a:prstDash val="solid"/>
+                      <a:round/>
+                      <a:headEnd type="none" w="med" len="med"/>
+                      <a:tailEnd type="none" w="med" len="med"/>
+                    </a:lnT>
+                    <a:lnB w="6350" cap="flat" cmpd="sng" algn="ctr">
+                      <a:solidFill>
+                        <a:srgbClr val="000000"/>
+                      </a:solidFill>
+                      <a:prstDash val="solid"/>
+                      <a:round/>
+                      <a:headEnd type="none" w="med" len="med"/>
+                      <a:tailEnd type="none" w="med" len="med"/>
+                    </a:lnB>
+                  </a:tcPr>
+                </a:tc>
+                <a:tc>
+                  <a:txBody>
+                    <a:bodyPr/>
+                    <a:lstStyle/>
+                    <a:p>
+                      <a:pPr algn="ctr" fontAlgn="ctr"/>
+                      <a:r>
+                        <a:rPr lang="en-US" altLang="ja-JP" sz="1100" b="0" i="0" u="none" strike="noStrike">
+                          <a:solidFill>
+                            <a:srgbClr val="000000"/>
+                          </a:solidFill>
+                          <a:effectLst/>
+                          <a:latin typeface="ＭＳ Ｐゴシック"/>
+                        </a:rPr>
+                        <a:t>60.0</a:t>
+                      </a:r>
+                    </a:p>
+                  </a:txBody>
+                  <a:tcPr marL="9525" marR="9525" marT="9525" marB="0" anchor="ctr">
+                    <a:lnL w="6350" cap="flat" cmpd="sng" algn="ctr">
+                      <a:solidFill>
+                        <a:srgbClr val="000000"/>
+                      </a:solidFill>
+                      <a:prstDash val="solid"/>
+                      <a:round/>
+                      <a:headEnd type="none" w="med" len="med"/>
+                      <a:tailEnd type="none" w="med" len="med"/>
+                    </a:lnL>
+                    <a:lnR w="6350" cap="flat" cmpd="sng" algn="ctr">
+                      <a:solidFill>
+                        <a:srgbClr val="000000"/>
+                      </a:solidFill>
+                      <a:prstDash val="solid"/>
+                      <a:round/>
+                      <a:headEnd type="none" w="med" len="med"/>
+                      <a:tailEnd type="none" w="med" len="med"/>
+                    </a:lnR>
+                    <a:lnT w="6350" cap="flat" cmpd="sng" algn="ctr">
+                      <a:solidFill>
+                        <a:srgbClr val="000000"/>
+                      </a:solidFill>
+                      <a:prstDash val="solid"/>
+                      <a:round/>
+                      <a:headEnd type="none" w="med" len="med"/>
+                      <a:tailEnd type="none" w="med" len="med"/>
+                    </a:lnT>
+                    <a:lnB w="6350" cap="flat" cmpd="sng" algn="ctr">
+                      <a:solidFill>
+                        <a:srgbClr val="000000"/>
+                      </a:solidFill>
+                      <a:prstDash val="solid"/>
+                      <a:round/>
+                      <a:headEnd type="none" w="med" len="med"/>
+                      <a:tailEnd type="none" w="med" len="med"/>
+                    </a:lnB>
+                  </a:tcPr>
+                </a:tc>
+                <a:tc>
+                  <a:txBody>
+                    <a:bodyPr/>
+                    <a:lstStyle/>
+                    <a:p>
+                      <a:pPr algn="ctr" fontAlgn="ctr"/>
+                      <a:r>
+                        <a:rPr lang="en-US" altLang="ja-JP" sz="1100" b="0" i="0" u="none" strike="noStrike">
+                          <a:solidFill>
+                            <a:srgbClr val="000000"/>
+                          </a:solidFill>
+                          <a:effectLst/>
+                          <a:latin typeface="ＭＳ Ｐゴシック"/>
+                        </a:rPr>
+                        <a:t>100.0</a:t>
+                      </a:r>
+                    </a:p>
+                  </a:txBody>
+                  <a:tcPr marL="9525" marR="9525" marT="9525" marB="0" anchor="ctr">
+                    <a:lnL w="6350" cap="flat" cmpd="sng" algn="ctr">
+                      <a:solidFill>
+                        <a:srgbClr val="000000"/>
+                      </a:solidFill>
+                      <a:prstDash val="solid"/>
+                      <a:round/>
+                      <a:headEnd type="none" w="med" len="med"/>
+                      <a:tailEnd type="none" w="med" len="med"/>
+                    </a:lnL>
+                    <a:lnR w="6350" cap="flat" cmpd="sng" algn="ctr">
+                      <a:solidFill>
+                        <a:srgbClr val="000000"/>
+                      </a:solidFill>
+                      <a:prstDash val="solid"/>
+                      <a:round/>
+                      <a:headEnd type="none" w="med" len="med"/>
+                      <a:tailEnd type="none" w="med" len="med"/>
+                    </a:lnR>
+                    <a:lnT w="6350" cap="flat" cmpd="sng" algn="ctr">
+                      <a:solidFill>
+                        <a:srgbClr val="000000"/>
+                      </a:solidFill>
+                      <a:prstDash val="solid"/>
+                      <a:round/>
+                      <a:headEnd type="none" w="med" len="med"/>
+                      <a:tailEnd type="none" w="med" len="med"/>
+                    </a:lnT>
+                    <a:lnB w="6350" cap="flat" cmpd="sng" algn="ctr">
+                      <a:solidFill>
+                        <a:srgbClr val="000000"/>
+                      </a:solidFill>
+                      <a:prstDash val="solid"/>
+                      <a:round/>
+                      <a:headEnd type="none" w="med" len="med"/>
+                      <a:tailEnd type="none" w="med" len="med"/>
+                    </a:lnB>
+                  </a:tcPr>
+                </a:tc>
+                <a:tc>
+                  <a:txBody>
+                    <a:bodyPr/>
+                    <a:lstStyle/>
+                    <a:p>
+                      <a:pPr algn="ctr" fontAlgn="ctr"/>
+                      <a:r>
+                        <a:rPr lang="en-US" altLang="ja-JP" sz="1100" b="0" i="0" u="none" strike="noStrike">
+                          <a:solidFill>
+                            <a:srgbClr val="000000"/>
+                          </a:solidFill>
+                          <a:effectLst/>
+                          <a:latin typeface="ＭＳ Ｐゴシック"/>
+                        </a:rPr>
+                        <a:t>50.9</a:t>
+                      </a:r>
+                    </a:p>
+                  </a:txBody>
+                  <a:tcPr marL="9525" marR="9525" marT="9525" marB="0" anchor="ctr">
+                    <a:lnL w="6350" cap="flat" cmpd="sng" algn="ctr">
+                      <a:solidFill>
+                        <a:srgbClr val="000000"/>
+                      </a:solidFill>
+                      <a:prstDash val="solid"/>
+                      <a:round/>
+                      <a:headEnd type="none" w="med" len="med"/>
+                      <a:tailEnd type="none" w="med" len="med"/>
+                    </a:lnL>
+                    <a:lnR w="6350" cap="flat" cmpd="sng" algn="ctr">
+                      <a:solidFill>
+                        <a:srgbClr val="000000"/>
+                      </a:solidFill>
+                      <a:prstDash val="solid"/>
+                      <a:round/>
+                      <a:headEnd type="none" w="med" len="med"/>
+                      <a:tailEnd type="none" w="med" len="med"/>
+                    </a:lnR>
+                    <a:lnT w="6350" cap="flat" cmpd="sng" algn="ctr">
+                      <a:solidFill>
+                        <a:srgbClr val="000000"/>
+                      </a:solidFill>
+                      <a:prstDash val="solid"/>
+                      <a:round/>
+                      <a:headEnd type="none" w="med" len="med"/>
+                      <a:tailEnd type="none" w="med" len="med"/>
+                    </a:lnT>
+                    <a:lnB w="6350" cap="flat" cmpd="sng" algn="ctr">
+                      <a:solidFill>
+                        <a:srgbClr val="000000"/>
+                      </a:solidFill>
+                      <a:prstDash val="solid"/>
+                      <a:round/>
+                      <a:headEnd type="none" w="med" len="med"/>
+                      <a:tailEnd type="none" w="med" len="med"/>
+                    </a:lnB>
+                    <a:solidFill>
+                      <a:srgbClr val="D8E4BC"/>
+                    </a:solidFill>
+                  </a:tcPr>
+                </a:tc>
+                <a:tc rowSpan="2">
+                  <a:txBody>
+                    <a:bodyPr/>
+                    <a:lstStyle/>
+                    <a:p>
+                      <a:pPr algn="l" fontAlgn="ctr"/>
+                      <a:r>
+                        <a:rPr lang="ja-JP" altLang="en-US" sz="1100" b="0" i="0" u="none" strike="noStrike">
+                          <a:solidFill>
+                            <a:srgbClr val="000000"/>
+                          </a:solidFill>
+                          <a:effectLst/>
+                          <a:latin typeface="ＭＳ Ｐゴシック"/>
+                        </a:rPr>
+                        <a:t>指標値である</a:t>
+                      </a:r>
+                      <a:r>
+                        <a:rPr lang="en-US" altLang="ja-JP" sz="1100" b="0" i="0" u="none" strike="noStrike">
+                          <a:solidFill>
+                            <a:srgbClr val="000000"/>
+                          </a:solidFill>
+                          <a:effectLst/>
+                          <a:latin typeface="ＭＳ Ｐゴシック"/>
+                        </a:rPr>
+                        <a:t>80.0</a:t>
+                      </a:r>
+                      <a:r>
+                        <a:rPr lang="ja-JP" altLang="en-US" sz="1100" b="0" i="0" u="none" strike="noStrike">
+                          <a:solidFill>
+                            <a:srgbClr val="000000"/>
+                          </a:solidFill>
+                          <a:effectLst/>
+                          <a:latin typeface="ＭＳ Ｐゴシック"/>
+                        </a:rPr>
+                        <a:t>に</a:t>
+                      </a:r>
+                      <a:r>
+                        <a:rPr lang="en-US" altLang="ja-JP" sz="1100" b="0" i="0" u="none" strike="noStrike">
+                          <a:solidFill>
+                            <a:srgbClr val="000000"/>
+                          </a:solidFill>
+                          <a:effectLst/>
+                          <a:latin typeface="ＭＳ Ｐゴシック"/>
+                        </a:rPr>
+                        <a:t>30.0</a:t>
+                      </a:r>
+                      <a:r>
+                        <a:rPr lang="ja-JP" altLang="en-US" sz="1100" b="0" i="0" u="none" strike="noStrike">
+                          <a:solidFill>
+                            <a:srgbClr val="000000"/>
+                          </a:solidFill>
+                          <a:effectLst/>
+                          <a:latin typeface="ＭＳ Ｐゴシック"/>
+                        </a:rPr>
+                        <a:t>ほど少ない。</a:t>
+                      </a:r>
+                      <a:br>
+                        <a:rPr lang="ja-JP" altLang="en-US" sz="1100" b="0" i="0" u="none" strike="noStrike">
+                          <a:solidFill>
+                            <a:srgbClr val="000000"/>
+                          </a:solidFill>
+                          <a:effectLst/>
+                          <a:latin typeface="ＭＳ Ｐゴシック"/>
+                        </a:rPr>
+                      </a:br>
+                      <a:r>
+                        <a:rPr lang="ja-JP" altLang="en-US" sz="1100" b="0" i="0" u="none" strike="noStrike">
+                          <a:solidFill>
+                            <a:srgbClr val="000000"/>
+                          </a:solidFill>
+                          <a:effectLst/>
+                          <a:latin typeface="ＭＳ Ｐゴシック"/>
+                        </a:rPr>
+                        <a:t>テスト項目の抽出が不足していた。</a:t>
+                      </a:r>
+                    </a:p>
+                  </a:txBody>
+                  <a:tcPr marL="9525" marR="9525" marT="9525" marB="0" anchor="ctr">
+                    <a:lnL w="6350" cap="flat" cmpd="sng" algn="ctr">
+                      <a:solidFill>
+                        <a:srgbClr val="000000"/>
+                      </a:solidFill>
+                      <a:prstDash val="solid"/>
+                      <a:round/>
+                      <a:headEnd type="none" w="med" len="med"/>
+                      <a:tailEnd type="none" w="med" len="med"/>
+                    </a:lnL>
+                    <a:lnR w="6350" cap="flat" cmpd="sng" algn="ctr">
+                      <a:solidFill>
+                        <a:srgbClr val="000000"/>
+                      </a:solidFill>
+                      <a:prstDash val="solid"/>
+                      <a:round/>
+                      <a:headEnd type="none" w="med" len="med"/>
+                      <a:tailEnd type="none" w="med" len="med"/>
+                    </a:lnR>
+                    <a:lnT w="6350" cap="flat" cmpd="sng" algn="ctr">
+                      <a:solidFill>
+                        <a:srgbClr val="000000"/>
+                      </a:solidFill>
+                      <a:prstDash val="solid"/>
+                      <a:round/>
+                      <a:headEnd type="none" w="med" len="med"/>
+                      <a:tailEnd type="none" w="med" len="med"/>
+                    </a:lnT>
+                    <a:lnB w="6350" cap="flat" cmpd="sng" algn="ctr">
+                      <a:solidFill>
+                        <a:srgbClr val="000000"/>
+                      </a:solidFill>
+                      <a:prstDash val="solid"/>
+                      <a:round/>
+                      <a:headEnd type="none" w="med" len="med"/>
+                      <a:tailEnd type="none" w="med" len="med"/>
+                    </a:lnB>
+                  </a:tcPr>
+                </a:tc>
+              </a:tr>
+              <a:tr h="304800">
+                <a:tc vMerge="1">
+                  <a:txBody>
+                    <a:bodyPr/>
+                    <a:lstStyle/>
+                    <a:p>
+                      <a:endParaRPr kumimoji="1" lang="ja-JP" altLang="en-US"/>
+                    </a:p>
+                  </a:txBody>
+                  <a:tcPr/>
+                </a:tc>
+                <a:tc>
+                  <a:txBody>
+                    <a:bodyPr/>
+                    <a:lstStyle/>
+                    <a:p>
+                      <a:pPr algn="l" fontAlgn="ctr"/>
+                      <a:r>
+                        <a:rPr lang="ja-JP" altLang="en-US" sz="1100" b="0" i="0" u="none" strike="noStrike">
+                          <a:solidFill>
+                            <a:srgbClr val="000000"/>
+                          </a:solidFill>
+                          <a:effectLst/>
+                          <a:latin typeface="ＭＳ Ｐゴシック"/>
+                        </a:rPr>
+                        <a:t>テストエラー率</a:t>
+                      </a:r>
+                    </a:p>
+                  </a:txBody>
+                  <a:tcPr marL="9525" marR="9525" marT="9525" marB="0" anchor="ctr">
+                    <a:lnL w="6350" cap="flat" cmpd="sng" algn="ctr">
+                      <a:solidFill>
+                        <a:srgbClr val="000000"/>
+                      </a:solidFill>
+                      <a:prstDash val="solid"/>
+                      <a:round/>
+                      <a:headEnd type="none" w="med" len="med"/>
+                      <a:tailEnd type="none" w="med" len="med"/>
+                    </a:lnL>
+                    <a:lnR w="6350" cap="flat" cmpd="sng" algn="ctr">
+                      <a:solidFill>
+                        <a:srgbClr val="000000"/>
+                      </a:solidFill>
+                      <a:prstDash val="solid"/>
+                      <a:round/>
+                      <a:headEnd type="none" w="med" len="med"/>
+                      <a:tailEnd type="none" w="med" len="med"/>
+                    </a:lnR>
+                    <a:lnT w="6350" cap="flat" cmpd="sng" algn="ctr">
+                      <a:solidFill>
+                        <a:srgbClr val="000000"/>
+                      </a:solidFill>
+                      <a:prstDash val="solid"/>
+                      <a:round/>
+                      <a:headEnd type="none" w="med" len="med"/>
+                      <a:tailEnd type="none" w="med" len="med"/>
+                    </a:lnT>
+                    <a:lnB w="6350" cap="flat" cmpd="sng" algn="ctr">
+                      <a:solidFill>
+                        <a:srgbClr val="000000"/>
+                      </a:solidFill>
+                      <a:prstDash val="solid"/>
+                      <a:round/>
+                      <a:headEnd type="none" w="med" len="med"/>
+                      <a:tailEnd type="none" w="med" len="med"/>
+                    </a:lnB>
+                  </a:tcPr>
+                </a:tc>
+                <a:tc>
+                  <a:txBody>
+                    <a:bodyPr/>
+                    <a:lstStyle/>
+                    <a:p>
+                      <a:pPr algn="l" fontAlgn="ctr"/>
+                      <a:r>
+                        <a:rPr lang="ja-JP" altLang="en-US" sz="1100" b="0" i="0" u="none" strike="noStrike">
+                          <a:solidFill>
+                            <a:srgbClr val="000000"/>
+                          </a:solidFill>
+                          <a:effectLst/>
+                          <a:latin typeface="ＭＳ Ｐゴシック"/>
+                        </a:rPr>
+                        <a:t>件</a:t>
+                      </a:r>
+                      <a:r>
+                        <a:rPr lang="en-US" altLang="ja-JP" sz="1100" b="0" i="0" u="none" strike="noStrike">
+                          <a:solidFill>
+                            <a:srgbClr val="000000"/>
+                          </a:solidFill>
+                          <a:effectLst/>
+                          <a:latin typeface="ＭＳ Ｐゴシック"/>
+                        </a:rPr>
+                        <a:t>/</a:t>
+                      </a:r>
+                      <a:r>
+                        <a:rPr lang="en-US" sz="1100" b="0" i="0" u="none" strike="noStrike">
+                          <a:solidFill>
+                            <a:srgbClr val="000000"/>
+                          </a:solidFill>
+                          <a:effectLst/>
+                          <a:latin typeface="ＭＳ Ｐゴシック"/>
+                        </a:rPr>
+                        <a:t>Ks</a:t>
+                      </a:r>
+                    </a:p>
+                  </a:txBody>
+                  <a:tcPr marL="9525" marR="9525" marT="9525" marB="0" anchor="ctr">
+                    <a:lnL w="6350" cap="flat" cmpd="sng" algn="ctr">
+                      <a:solidFill>
+                        <a:srgbClr val="000000"/>
+                      </a:solidFill>
+                      <a:prstDash val="solid"/>
+                      <a:round/>
+                      <a:headEnd type="none" w="med" len="med"/>
+                      <a:tailEnd type="none" w="med" len="med"/>
+                    </a:lnL>
+                    <a:lnR w="6350" cap="flat" cmpd="sng" algn="ctr">
+                      <a:solidFill>
+                        <a:srgbClr val="000000"/>
+                      </a:solidFill>
+                      <a:prstDash val="solid"/>
+                      <a:round/>
+                      <a:headEnd type="none" w="med" len="med"/>
+                      <a:tailEnd type="none" w="med" len="med"/>
+                    </a:lnR>
+                    <a:lnT w="6350" cap="flat" cmpd="sng" algn="ctr">
+                      <a:solidFill>
+                        <a:srgbClr val="000000"/>
+                      </a:solidFill>
+                      <a:prstDash val="solid"/>
+                      <a:round/>
+                      <a:headEnd type="none" w="med" len="med"/>
+                      <a:tailEnd type="none" w="med" len="med"/>
+                    </a:lnT>
+                    <a:lnB w="6350" cap="flat" cmpd="sng" algn="ctr">
+                      <a:solidFill>
+                        <a:srgbClr val="000000"/>
+                      </a:solidFill>
+                      <a:prstDash val="solid"/>
+                      <a:round/>
+                      <a:headEnd type="none" w="med" len="med"/>
+                      <a:tailEnd type="none" w="med" len="med"/>
+                    </a:lnB>
+                  </a:tcPr>
+                </a:tc>
+                <a:tc>
+                  <a:txBody>
+                    <a:bodyPr/>
+                    <a:lstStyle/>
+                    <a:p>
+                      <a:pPr algn="ctr" fontAlgn="ctr"/>
+                      <a:r>
+                        <a:rPr lang="en-US" altLang="ja-JP" sz="1100" b="0" i="0" u="none" strike="noStrike">
+                          <a:solidFill>
+                            <a:srgbClr val="000000"/>
+                          </a:solidFill>
+                          <a:effectLst/>
+                          <a:latin typeface="ＭＳ Ｐゴシック"/>
+                        </a:rPr>
+                        <a:t>26.0</a:t>
+                      </a:r>
+                    </a:p>
+                  </a:txBody>
+                  <a:tcPr marL="9525" marR="9525" marT="9525" marB="0" anchor="ctr">
+                    <a:lnL w="6350" cap="flat" cmpd="sng" algn="ctr">
+                      <a:solidFill>
+                        <a:srgbClr val="000000"/>
+                      </a:solidFill>
+                      <a:prstDash val="solid"/>
+                      <a:round/>
+                      <a:headEnd type="none" w="med" len="med"/>
+                      <a:tailEnd type="none" w="med" len="med"/>
+                    </a:lnL>
+                    <a:lnR w="6350" cap="flat" cmpd="sng" algn="ctr">
+                      <a:solidFill>
+                        <a:srgbClr val="000000"/>
+                      </a:solidFill>
+                      <a:prstDash val="solid"/>
+                      <a:round/>
+                      <a:headEnd type="none" w="med" len="med"/>
+                      <a:tailEnd type="none" w="med" len="med"/>
+                    </a:lnR>
+                    <a:lnT w="6350" cap="flat" cmpd="sng" algn="ctr">
+                      <a:solidFill>
+                        <a:srgbClr val="000000"/>
+                      </a:solidFill>
+                      <a:prstDash val="solid"/>
+                      <a:round/>
+                      <a:headEnd type="none" w="med" len="med"/>
+                      <a:tailEnd type="none" w="med" len="med"/>
+                    </a:lnT>
+                    <a:lnB w="6350" cap="flat" cmpd="sng" algn="ctr">
+                      <a:solidFill>
+                        <a:srgbClr val="000000"/>
+                      </a:solidFill>
+                      <a:prstDash val="solid"/>
+                      <a:round/>
+                      <a:headEnd type="none" w="med" len="med"/>
+                      <a:tailEnd type="none" w="med" len="med"/>
+                    </a:lnB>
+                  </a:tcPr>
+                </a:tc>
+                <a:tc>
+                  <a:txBody>
+                    <a:bodyPr/>
+                    <a:lstStyle/>
+                    <a:p>
+                      <a:pPr algn="ctr" fontAlgn="ctr"/>
+                      <a:r>
+                        <a:rPr lang="en-US" altLang="ja-JP" sz="1100" b="0" i="0" u="none" strike="noStrike">
+                          <a:solidFill>
+                            <a:srgbClr val="000000"/>
+                          </a:solidFill>
+                          <a:effectLst/>
+                          <a:latin typeface="ＭＳ Ｐゴシック"/>
+                        </a:rPr>
+                        <a:t>12.0</a:t>
+                      </a:r>
+                    </a:p>
+                  </a:txBody>
+                  <a:tcPr marL="9525" marR="9525" marT="9525" marB="0" anchor="ctr">
+                    <a:lnL w="6350" cap="flat" cmpd="sng" algn="ctr">
+                      <a:solidFill>
+                        <a:srgbClr val="000000"/>
+                      </a:solidFill>
+                      <a:prstDash val="solid"/>
+                      <a:round/>
+                      <a:headEnd type="none" w="med" len="med"/>
+                      <a:tailEnd type="none" w="med" len="med"/>
+                    </a:lnL>
+                    <a:lnR w="6350" cap="flat" cmpd="sng" algn="ctr">
+                      <a:solidFill>
+                        <a:srgbClr val="000000"/>
+                      </a:solidFill>
+                      <a:prstDash val="solid"/>
+                      <a:round/>
+                      <a:headEnd type="none" w="med" len="med"/>
+                      <a:tailEnd type="none" w="med" len="med"/>
+                    </a:lnR>
+                    <a:lnT w="6350" cap="flat" cmpd="sng" algn="ctr">
+                      <a:solidFill>
+                        <a:srgbClr val="000000"/>
+                      </a:solidFill>
+                      <a:prstDash val="solid"/>
+                      <a:round/>
+                      <a:headEnd type="none" w="med" len="med"/>
+                      <a:tailEnd type="none" w="med" len="med"/>
+                    </a:lnT>
+                    <a:lnB w="6350" cap="flat" cmpd="sng" algn="ctr">
+                      <a:solidFill>
+                        <a:srgbClr val="000000"/>
+                      </a:solidFill>
+                      <a:prstDash val="solid"/>
+                      <a:round/>
+                      <a:headEnd type="none" w="med" len="med"/>
+                      <a:tailEnd type="none" w="med" len="med"/>
+                    </a:lnB>
+                  </a:tcPr>
+                </a:tc>
+                <a:tc>
+                  <a:txBody>
+                    <a:bodyPr/>
+                    <a:lstStyle/>
+                    <a:p>
+                      <a:pPr algn="ctr" fontAlgn="ctr"/>
+                      <a:r>
+                        <a:rPr lang="en-US" altLang="ja-JP" sz="1100" b="0" i="0" u="none" strike="noStrike">
+                          <a:solidFill>
+                            <a:srgbClr val="000000"/>
+                          </a:solidFill>
+                          <a:effectLst/>
+                          <a:latin typeface="ＭＳ Ｐゴシック"/>
+                        </a:rPr>
+                        <a:t>30.0</a:t>
+                      </a:r>
+                    </a:p>
+                  </a:txBody>
+                  <a:tcPr marL="9525" marR="9525" marT="9525" marB="0" anchor="ctr">
+                    <a:lnL w="6350" cap="flat" cmpd="sng" algn="ctr">
+                      <a:solidFill>
+                        <a:srgbClr val="000000"/>
+                      </a:solidFill>
+                      <a:prstDash val="solid"/>
+                      <a:round/>
+                      <a:headEnd type="none" w="med" len="med"/>
+                      <a:tailEnd type="none" w="med" len="med"/>
+                    </a:lnL>
+                    <a:lnR w="6350" cap="flat" cmpd="sng" algn="ctr">
+                      <a:solidFill>
+                        <a:srgbClr val="000000"/>
+                      </a:solidFill>
+                      <a:prstDash val="solid"/>
+                      <a:round/>
+                      <a:headEnd type="none" w="med" len="med"/>
+                      <a:tailEnd type="none" w="med" len="med"/>
+                    </a:lnR>
+                    <a:lnT w="6350" cap="flat" cmpd="sng" algn="ctr">
+                      <a:solidFill>
+                        <a:srgbClr val="000000"/>
+                      </a:solidFill>
+                      <a:prstDash val="solid"/>
+                      <a:round/>
+                      <a:headEnd type="none" w="med" len="med"/>
+                      <a:tailEnd type="none" w="med" len="med"/>
+                    </a:lnT>
+                    <a:lnB w="6350" cap="flat" cmpd="sng" algn="ctr">
+                      <a:solidFill>
+                        <a:srgbClr val="000000"/>
+                      </a:solidFill>
+                      <a:prstDash val="solid"/>
+                      <a:round/>
+                      <a:headEnd type="none" w="med" len="med"/>
+                      <a:tailEnd type="none" w="med" len="med"/>
+                    </a:lnB>
+                  </a:tcPr>
+                </a:tc>
+                <a:tc>
+                  <a:txBody>
+                    <a:bodyPr/>
+                    <a:lstStyle/>
+                    <a:p>
+                      <a:pPr algn="ctr" fontAlgn="ctr"/>
+                      <a:r>
+                        <a:rPr lang="en-US" altLang="ja-JP" sz="1100" b="0" i="0" u="none" strike="noStrike">
+                          <a:solidFill>
+                            <a:srgbClr val="000000"/>
+                          </a:solidFill>
+                          <a:effectLst/>
+                          <a:latin typeface="ＭＳ Ｐゴシック"/>
+                        </a:rPr>
+                        <a:t>6.3</a:t>
+                      </a:r>
+                    </a:p>
+                  </a:txBody>
+                  <a:tcPr marL="9525" marR="9525" marT="9525" marB="0" anchor="ctr">
+                    <a:lnL w="6350" cap="flat" cmpd="sng" algn="ctr">
+                      <a:solidFill>
+                        <a:srgbClr val="000000"/>
+                      </a:solidFill>
+                      <a:prstDash val="solid"/>
+                      <a:round/>
+                      <a:headEnd type="none" w="med" len="med"/>
+                      <a:tailEnd type="none" w="med" len="med"/>
+                    </a:lnL>
+                    <a:lnR w="6350" cap="flat" cmpd="sng" algn="ctr">
+                      <a:solidFill>
+                        <a:srgbClr val="000000"/>
+                      </a:solidFill>
+                      <a:prstDash val="solid"/>
+                      <a:round/>
+                      <a:headEnd type="none" w="med" len="med"/>
+                      <a:tailEnd type="none" w="med" len="med"/>
+                    </a:lnR>
+                    <a:lnT w="6350" cap="flat" cmpd="sng" algn="ctr">
+                      <a:solidFill>
+                        <a:srgbClr val="000000"/>
+                      </a:solidFill>
+                      <a:prstDash val="solid"/>
+                      <a:round/>
+                      <a:headEnd type="none" w="med" len="med"/>
+                      <a:tailEnd type="none" w="med" len="med"/>
+                    </a:lnT>
+                    <a:lnB w="6350" cap="flat" cmpd="sng" algn="ctr">
+                      <a:solidFill>
+                        <a:srgbClr val="000000"/>
+                      </a:solidFill>
+                      <a:prstDash val="solid"/>
+                      <a:round/>
+                      <a:headEnd type="none" w="med" len="med"/>
+                      <a:tailEnd type="none" w="med" len="med"/>
+                    </a:lnB>
+                    <a:solidFill>
+                      <a:srgbClr val="D8E4BC"/>
+                    </a:solidFill>
+                  </a:tcPr>
+                </a:tc>
+                <a:tc vMerge="1">
+                  <a:txBody>
+                    <a:bodyPr/>
+                    <a:lstStyle/>
+                    <a:p>
+                      <a:endParaRPr kumimoji="1" lang="ja-JP" altLang="en-US"/>
+                    </a:p>
+                  </a:txBody>
+                  <a:tcPr/>
+                </a:tc>
+              </a:tr>
+              <a:tr h="304800">
+                <a:tc rowSpan="2">
+                  <a:txBody>
+                    <a:bodyPr/>
+                    <a:lstStyle/>
+                    <a:p>
+                      <a:pPr algn="ctr" fontAlgn="ctr"/>
+                      <a:r>
+                        <a:rPr lang="ja-JP" altLang="en-US" sz="1100" b="0" i="0" u="none" strike="noStrike">
+                          <a:solidFill>
+                            <a:srgbClr val="000000"/>
+                          </a:solidFill>
+                          <a:effectLst/>
+                          <a:latin typeface="ＭＳ Ｐゴシック"/>
+                        </a:rPr>
+                        <a:t>結合テスト</a:t>
+                      </a:r>
+                    </a:p>
+                  </a:txBody>
+                  <a:tcPr marL="9525" marR="9525" marT="9525" marB="0" anchor="ctr">
+                    <a:lnL w="6350" cap="flat" cmpd="sng" algn="ctr">
+                      <a:solidFill>
+                        <a:srgbClr val="000000"/>
+                      </a:solidFill>
+                      <a:prstDash val="solid"/>
+                      <a:round/>
+                      <a:headEnd type="none" w="med" len="med"/>
+                      <a:tailEnd type="none" w="med" len="med"/>
+                    </a:lnL>
+                    <a:lnR w="6350" cap="flat" cmpd="sng" algn="ctr">
+                      <a:solidFill>
+                        <a:srgbClr val="000000"/>
+                      </a:solidFill>
+                      <a:prstDash val="solid"/>
+                      <a:round/>
+                      <a:headEnd type="none" w="med" len="med"/>
+                      <a:tailEnd type="none" w="med" len="med"/>
+                    </a:lnR>
+                    <a:lnT w="6350" cap="flat" cmpd="sng" algn="ctr">
+                      <a:solidFill>
+                        <a:srgbClr val="000000"/>
+                      </a:solidFill>
+                      <a:prstDash val="solid"/>
+                      <a:round/>
+                      <a:headEnd type="none" w="med" len="med"/>
+                      <a:tailEnd type="none" w="med" len="med"/>
+                    </a:lnT>
+                    <a:lnB w="6350" cap="flat" cmpd="sng" algn="ctr">
+                      <a:solidFill>
+                        <a:srgbClr val="000000"/>
+                      </a:solidFill>
+                      <a:prstDash val="solid"/>
+                      <a:round/>
+                      <a:headEnd type="none" w="med" len="med"/>
+                      <a:tailEnd type="none" w="med" len="med"/>
+                    </a:lnB>
+                  </a:tcPr>
+                </a:tc>
+                <a:tc>
+                  <a:txBody>
+                    <a:bodyPr/>
+                    <a:lstStyle/>
+                    <a:p>
+                      <a:pPr algn="l" fontAlgn="ctr"/>
+                      <a:r>
+                        <a:rPr lang="ja-JP" altLang="en-US" sz="1100" b="0" i="0" u="none" strike="noStrike">
+                          <a:solidFill>
+                            <a:srgbClr val="000000"/>
+                          </a:solidFill>
+                          <a:effectLst/>
+                          <a:latin typeface="ＭＳ Ｐゴシック"/>
+                        </a:rPr>
+                        <a:t>テスト項目設定率</a:t>
+                      </a:r>
+                    </a:p>
+                  </a:txBody>
+                  <a:tcPr marL="9525" marR="9525" marT="9525" marB="0" anchor="ctr">
+                    <a:lnL w="6350" cap="flat" cmpd="sng" algn="ctr">
+                      <a:solidFill>
+                        <a:srgbClr val="000000"/>
+                      </a:solidFill>
+                      <a:prstDash val="solid"/>
+                      <a:round/>
+                      <a:headEnd type="none" w="med" len="med"/>
+                      <a:tailEnd type="none" w="med" len="med"/>
+                    </a:lnL>
+                    <a:lnR w="6350" cap="flat" cmpd="sng" algn="ctr">
+                      <a:solidFill>
+                        <a:srgbClr val="000000"/>
+                      </a:solidFill>
+                      <a:prstDash val="solid"/>
+                      <a:round/>
+                      <a:headEnd type="none" w="med" len="med"/>
+                      <a:tailEnd type="none" w="med" len="med"/>
+                    </a:lnR>
+                    <a:lnT w="6350" cap="flat" cmpd="sng" algn="ctr">
+                      <a:solidFill>
+                        <a:srgbClr val="000000"/>
+                      </a:solidFill>
+                      <a:prstDash val="solid"/>
+                      <a:round/>
+                      <a:headEnd type="none" w="med" len="med"/>
+                      <a:tailEnd type="none" w="med" len="med"/>
+                    </a:lnT>
+                    <a:lnB w="6350" cap="flat" cmpd="sng" algn="ctr">
+                      <a:solidFill>
+                        <a:srgbClr val="000000"/>
+                      </a:solidFill>
+                      <a:prstDash val="solid"/>
+                      <a:round/>
+                      <a:headEnd type="none" w="med" len="med"/>
+                      <a:tailEnd type="none" w="med" len="med"/>
+                    </a:lnB>
+                  </a:tcPr>
+                </a:tc>
+                <a:tc>
+                  <a:txBody>
+                    <a:bodyPr/>
+                    <a:lstStyle/>
+                    <a:p>
+                      <a:pPr algn="l" fontAlgn="ctr"/>
+                      <a:r>
+                        <a:rPr lang="ja-JP" altLang="en-US" sz="1100" b="0" i="0" u="none" strike="noStrike">
+                          <a:solidFill>
+                            <a:srgbClr val="000000"/>
+                          </a:solidFill>
+                          <a:effectLst/>
+                          <a:latin typeface="ＭＳ Ｐゴシック"/>
+                        </a:rPr>
+                        <a:t>項目</a:t>
+                      </a:r>
+                      <a:r>
+                        <a:rPr lang="en-US" altLang="ja-JP" sz="1100" b="0" i="0" u="none" strike="noStrike">
+                          <a:solidFill>
+                            <a:srgbClr val="000000"/>
+                          </a:solidFill>
+                          <a:effectLst/>
+                          <a:latin typeface="ＭＳ Ｐゴシック"/>
+                        </a:rPr>
+                        <a:t>/</a:t>
+                      </a:r>
+                      <a:r>
+                        <a:rPr lang="en-US" sz="1100" b="0" i="0" u="none" strike="noStrike">
+                          <a:solidFill>
+                            <a:srgbClr val="000000"/>
+                          </a:solidFill>
+                          <a:effectLst/>
+                          <a:latin typeface="ＭＳ Ｐゴシック"/>
+                        </a:rPr>
+                        <a:t>Ks</a:t>
+                      </a:r>
+                    </a:p>
+                  </a:txBody>
+                  <a:tcPr marL="9525" marR="9525" marT="9525" marB="0" anchor="ctr">
+                    <a:lnL w="6350" cap="flat" cmpd="sng" algn="ctr">
+                      <a:solidFill>
+                        <a:srgbClr val="000000"/>
+                      </a:solidFill>
+                      <a:prstDash val="solid"/>
+                      <a:round/>
+                      <a:headEnd type="none" w="med" len="med"/>
+                      <a:tailEnd type="none" w="med" len="med"/>
+                    </a:lnL>
+                    <a:lnR w="6350" cap="flat" cmpd="sng" algn="ctr">
+                      <a:solidFill>
+                        <a:srgbClr val="000000"/>
+                      </a:solidFill>
+                      <a:prstDash val="solid"/>
+                      <a:round/>
+                      <a:headEnd type="none" w="med" len="med"/>
+                      <a:tailEnd type="none" w="med" len="med"/>
+                    </a:lnR>
+                    <a:lnT w="6350" cap="flat" cmpd="sng" algn="ctr">
+                      <a:solidFill>
+                        <a:srgbClr val="000000"/>
+                      </a:solidFill>
+                      <a:prstDash val="solid"/>
+                      <a:round/>
+                      <a:headEnd type="none" w="med" len="med"/>
+                      <a:tailEnd type="none" w="med" len="med"/>
+                    </a:lnT>
+                    <a:lnB w="6350" cap="flat" cmpd="sng" algn="ctr">
+                      <a:solidFill>
+                        <a:srgbClr val="000000"/>
+                      </a:solidFill>
+                      <a:prstDash val="solid"/>
+                      <a:round/>
+                      <a:headEnd type="none" w="med" len="med"/>
+                      <a:tailEnd type="none" w="med" len="med"/>
+                    </a:lnB>
+                  </a:tcPr>
+                </a:tc>
+                <a:tc>
+                  <a:txBody>
+                    <a:bodyPr/>
+                    <a:lstStyle/>
+                    <a:p>
+                      <a:pPr algn="ctr" fontAlgn="ctr"/>
+                      <a:r>
+                        <a:rPr lang="en-US" altLang="ja-JP" sz="1100" b="0" i="0" u="none" strike="noStrike">
+                          <a:solidFill>
+                            <a:srgbClr val="000000"/>
+                          </a:solidFill>
+                          <a:effectLst/>
+                          <a:latin typeface="ＭＳ Ｐゴシック"/>
+                        </a:rPr>
+                        <a:t>36.0</a:t>
+                      </a:r>
+                    </a:p>
+                  </a:txBody>
+                  <a:tcPr marL="9525" marR="9525" marT="9525" marB="0" anchor="ctr">
+                    <a:lnL w="6350" cap="flat" cmpd="sng" algn="ctr">
+                      <a:solidFill>
+                        <a:srgbClr val="000000"/>
+                      </a:solidFill>
+                      <a:prstDash val="solid"/>
+                      <a:round/>
+                      <a:headEnd type="none" w="med" len="med"/>
+                      <a:tailEnd type="none" w="med" len="med"/>
+                    </a:lnL>
+                    <a:lnR w="6350" cap="flat" cmpd="sng" algn="ctr">
+                      <a:solidFill>
+                        <a:srgbClr val="000000"/>
+                      </a:solidFill>
+                      <a:prstDash val="solid"/>
+                      <a:round/>
+                      <a:headEnd type="none" w="med" len="med"/>
+                      <a:tailEnd type="none" w="med" len="med"/>
+                    </a:lnR>
+                    <a:lnT w="6350" cap="flat" cmpd="sng" algn="ctr">
+                      <a:solidFill>
+                        <a:srgbClr val="000000"/>
+                      </a:solidFill>
+                      <a:prstDash val="solid"/>
+                      <a:round/>
+                      <a:headEnd type="none" w="med" len="med"/>
+                      <a:tailEnd type="none" w="med" len="med"/>
+                    </a:lnT>
+                    <a:lnB w="6350" cap="flat" cmpd="sng" algn="ctr">
+                      <a:solidFill>
+                        <a:srgbClr val="000000"/>
+                      </a:solidFill>
+                      <a:prstDash val="solid"/>
+                      <a:round/>
+                      <a:headEnd type="none" w="med" len="med"/>
+                      <a:tailEnd type="none" w="med" len="med"/>
+                    </a:lnB>
+                  </a:tcPr>
+                </a:tc>
+                <a:tc>
+                  <a:txBody>
+                    <a:bodyPr/>
+                    <a:lstStyle/>
+                    <a:p>
+                      <a:pPr algn="ctr" fontAlgn="ctr"/>
+                      <a:r>
+                        <a:rPr lang="en-US" altLang="ja-JP" sz="1100" b="0" i="0" u="none" strike="noStrike">
+                          <a:solidFill>
+                            <a:srgbClr val="000000"/>
+                          </a:solidFill>
+                          <a:effectLst/>
+                          <a:latin typeface="ＭＳ Ｐゴシック"/>
+                        </a:rPr>
+                        <a:t>20.0</a:t>
+                      </a:r>
+                    </a:p>
+                  </a:txBody>
+                  <a:tcPr marL="9525" marR="9525" marT="9525" marB="0" anchor="ctr">
+                    <a:lnL w="6350" cap="flat" cmpd="sng" algn="ctr">
+                      <a:solidFill>
+                        <a:srgbClr val="000000"/>
+                      </a:solidFill>
+                      <a:prstDash val="solid"/>
+                      <a:round/>
+                      <a:headEnd type="none" w="med" len="med"/>
+                      <a:tailEnd type="none" w="med" len="med"/>
+                    </a:lnL>
+                    <a:lnR w="6350" cap="flat" cmpd="sng" algn="ctr">
+                      <a:solidFill>
+                        <a:srgbClr val="000000"/>
+                      </a:solidFill>
+                      <a:prstDash val="solid"/>
+                      <a:round/>
+                      <a:headEnd type="none" w="med" len="med"/>
+                      <a:tailEnd type="none" w="med" len="med"/>
+                    </a:lnR>
+                    <a:lnT w="6350" cap="flat" cmpd="sng" algn="ctr">
+                      <a:solidFill>
+                        <a:srgbClr val="000000"/>
+                      </a:solidFill>
+                      <a:prstDash val="solid"/>
+                      <a:round/>
+                      <a:headEnd type="none" w="med" len="med"/>
+                      <a:tailEnd type="none" w="med" len="med"/>
+                    </a:lnT>
+                    <a:lnB w="6350" cap="flat" cmpd="sng" algn="ctr">
+                      <a:solidFill>
+                        <a:srgbClr val="000000"/>
+                      </a:solidFill>
+                      <a:prstDash val="solid"/>
+                      <a:round/>
+                      <a:headEnd type="none" w="med" len="med"/>
+                      <a:tailEnd type="none" w="med" len="med"/>
+                    </a:lnB>
+                  </a:tcPr>
+                </a:tc>
+                <a:tc>
+                  <a:txBody>
+                    <a:bodyPr/>
+                    <a:lstStyle/>
+                    <a:p>
+                      <a:pPr algn="ctr" fontAlgn="ctr"/>
+                      <a:r>
+                        <a:rPr lang="en-US" altLang="ja-JP" sz="1100" b="0" i="0" u="none" strike="noStrike">
+                          <a:solidFill>
+                            <a:srgbClr val="000000"/>
+                          </a:solidFill>
+                          <a:effectLst/>
+                          <a:latin typeface="ＭＳ Ｐゴシック"/>
+                        </a:rPr>
+                        <a:t>55.0</a:t>
+                      </a:r>
+                    </a:p>
+                  </a:txBody>
+                  <a:tcPr marL="9525" marR="9525" marT="9525" marB="0" anchor="ctr">
+                    <a:lnL w="6350" cap="flat" cmpd="sng" algn="ctr">
+                      <a:solidFill>
+                        <a:srgbClr val="000000"/>
+                      </a:solidFill>
+                      <a:prstDash val="solid"/>
+                      <a:round/>
+                      <a:headEnd type="none" w="med" len="med"/>
+                      <a:tailEnd type="none" w="med" len="med"/>
+                    </a:lnL>
+                    <a:lnR w="6350" cap="flat" cmpd="sng" algn="ctr">
+                      <a:solidFill>
+                        <a:srgbClr val="000000"/>
+                      </a:solidFill>
+                      <a:prstDash val="solid"/>
+                      <a:round/>
+                      <a:headEnd type="none" w="med" len="med"/>
+                      <a:tailEnd type="none" w="med" len="med"/>
+                    </a:lnR>
+                    <a:lnT w="6350" cap="flat" cmpd="sng" algn="ctr">
+                      <a:solidFill>
+                        <a:srgbClr val="000000"/>
+                      </a:solidFill>
+                      <a:prstDash val="solid"/>
+                      <a:round/>
+                      <a:headEnd type="none" w="med" len="med"/>
+                      <a:tailEnd type="none" w="med" len="med"/>
+                    </a:lnT>
+                    <a:lnB w="6350" cap="flat" cmpd="sng" algn="ctr">
+                      <a:solidFill>
+                        <a:srgbClr val="000000"/>
+                      </a:solidFill>
+                      <a:prstDash val="solid"/>
+                      <a:round/>
+                      <a:headEnd type="none" w="med" len="med"/>
+                      <a:tailEnd type="none" w="med" len="med"/>
+                    </a:lnB>
+                  </a:tcPr>
+                </a:tc>
+                <a:tc>
+                  <a:txBody>
+                    <a:bodyPr/>
+                    <a:lstStyle/>
+                    <a:p>
+                      <a:pPr algn="ctr" fontAlgn="ctr"/>
+                      <a:r>
+                        <a:rPr lang="en-US" altLang="ja-JP" sz="1100" b="0" i="0" u="none" strike="noStrike">
+                          <a:solidFill>
+                            <a:srgbClr val="000000"/>
+                          </a:solidFill>
+                          <a:effectLst/>
+                          <a:latin typeface="ＭＳ Ｐゴシック"/>
+                        </a:rPr>
+                        <a:t>10.7</a:t>
+                      </a:r>
+                    </a:p>
+                  </a:txBody>
+                  <a:tcPr marL="9525" marR="9525" marT="9525" marB="0" anchor="ctr">
+                    <a:lnL w="6350" cap="flat" cmpd="sng" algn="ctr">
+                      <a:solidFill>
+                        <a:srgbClr val="000000"/>
+                      </a:solidFill>
+                      <a:prstDash val="solid"/>
+                      <a:round/>
+                      <a:headEnd type="none" w="med" len="med"/>
+                      <a:tailEnd type="none" w="med" len="med"/>
+                    </a:lnL>
+                    <a:lnR w="6350" cap="flat" cmpd="sng" algn="ctr">
+                      <a:solidFill>
+                        <a:srgbClr val="000000"/>
+                      </a:solidFill>
+                      <a:prstDash val="solid"/>
+                      <a:round/>
+                      <a:headEnd type="none" w="med" len="med"/>
+                      <a:tailEnd type="none" w="med" len="med"/>
+                    </a:lnR>
+                    <a:lnT w="6350" cap="flat" cmpd="sng" algn="ctr">
+                      <a:solidFill>
+                        <a:srgbClr val="000000"/>
+                      </a:solidFill>
+                      <a:prstDash val="solid"/>
+                      <a:round/>
+                      <a:headEnd type="none" w="med" len="med"/>
+                      <a:tailEnd type="none" w="med" len="med"/>
+                    </a:lnT>
+                    <a:lnB w="6350" cap="flat" cmpd="sng" algn="ctr">
+                      <a:solidFill>
+                        <a:srgbClr val="000000"/>
+                      </a:solidFill>
+                      <a:prstDash val="solid"/>
+                      <a:round/>
+                      <a:headEnd type="none" w="med" len="med"/>
+                      <a:tailEnd type="none" w="med" len="med"/>
+                    </a:lnB>
+                    <a:solidFill>
+                      <a:srgbClr val="D8E4BC"/>
+                    </a:solidFill>
+                  </a:tcPr>
+                </a:tc>
+                <a:tc rowSpan="2">
+                  <a:txBody>
+                    <a:bodyPr/>
+                    <a:lstStyle/>
+                    <a:p>
+                      <a:pPr algn="l" fontAlgn="ctr"/>
+                      <a:r>
+                        <a:rPr lang="ja-JP" altLang="en-US" sz="1100" b="0" i="0" u="none" strike="noStrike" dirty="0">
+                          <a:solidFill>
+                            <a:srgbClr val="000000"/>
+                          </a:solidFill>
+                          <a:effectLst/>
+                          <a:latin typeface="ＭＳ Ｐゴシック"/>
+                        </a:rPr>
+                        <a:t>下限値から</a:t>
+                      </a:r>
+                      <a:r>
+                        <a:rPr lang="en-US" altLang="ja-JP" sz="1100" b="0" i="0" u="none" strike="noStrike" dirty="0">
+                          <a:solidFill>
+                            <a:srgbClr val="000000"/>
+                          </a:solidFill>
+                          <a:effectLst/>
+                          <a:latin typeface="ＭＳ Ｐゴシック"/>
+                        </a:rPr>
+                        <a:t>10.0</a:t>
+                      </a:r>
+                      <a:r>
+                        <a:rPr lang="ja-JP" altLang="en-US" sz="1100" b="0" i="0" u="none" strike="noStrike" dirty="0" err="1">
+                          <a:solidFill>
+                            <a:srgbClr val="000000"/>
+                          </a:solidFill>
+                          <a:effectLst/>
+                          <a:latin typeface="ＭＳ Ｐゴシック"/>
+                        </a:rPr>
+                        <a:t>ほど</a:t>
+                      </a:r>
+                      <a:r>
+                        <a:rPr lang="ja-JP" altLang="en-US" sz="1100" b="0" i="0" u="none" strike="noStrike" dirty="0">
+                          <a:solidFill>
+                            <a:srgbClr val="000000"/>
+                          </a:solidFill>
+                          <a:effectLst/>
+                          <a:latin typeface="ＭＳ Ｐゴシック"/>
+                        </a:rPr>
+                        <a:t>下回っている。</a:t>
+                      </a:r>
+                      <a:br>
+                        <a:rPr lang="ja-JP" altLang="en-US" sz="1100" b="0" i="0" u="none" strike="noStrike" dirty="0">
+                          <a:solidFill>
+                            <a:srgbClr val="000000"/>
+                          </a:solidFill>
+                          <a:effectLst/>
+                          <a:latin typeface="ＭＳ Ｐゴシック"/>
+                        </a:rPr>
+                      </a:br>
+                      <a:r>
+                        <a:rPr lang="ja-JP" altLang="en-US" sz="1100" b="0" i="0" u="none" strike="noStrike" dirty="0">
+                          <a:solidFill>
+                            <a:srgbClr val="000000"/>
+                          </a:solidFill>
+                          <a:effectLst/>
+                          <a:latin typeface="ＭＳ Ｐゴシック"/>
+                        </a:rPr>
+                        <a:t>実装以前の分析、設計で全体の流れを</a:t>
+                      </a:r>
+                      <a:br>
+                        <a:rPr lang="ja-JP" altLang="en-US" sz="1100" b="0" i="0" u="none" strike="noStrike" dirty="0">
+                          <a:solidFill>
+                            <a:srgbClr val="000000"/>
+                          </a:solidFill>
+                          <a:effectLst/>
+                          <a:latin typeface="ＭＳ Ｐゴシック"/>
+                        </a:rPr>
+                      </a:br>
+                      <a:r>
+                        <a:rPr lang="ja-JP" altLang="en-US" sz="1100" b="0" i="0" u="none" strike="noStrike" dirty="0">
+                          <a:solidFill>
+                            <a:srgbClr val="000000"/>
+                          </a:solidFill>
+                          <a:effectLst/>
+                          <a:latin typeface="ＭＳ Ｐゴシック"/>
+                        </a:rPr>
+                        <a:t>想像できていなかったためだと考えられる。</a:t>
+                      </a:r>
+                    </a:p>
+                  </a:txBody>
+                  <a:tcPr marL="9525" marR="9525" marT="9525" marB="0" anchor="ctr">
+                    <a:lnL w="6350" cap="flat" cmpd="sng" algn="ctr">
+                      <a:solidFill>
+                        <a:srgbClr val="000000"/>
+                      </a:solidFill>
+                      <a:prstDash val="solid"/>
+                      <a:round/>
+                      <a:headEnd type="none" w="med" len="med"/>
+                      <a:tailEnd type="none" w="med" len="med"/>
+                    </a:lnL>
+                    <a:lnR w="6350" cap="flat" cmpd="sng" algn="ctr">
+                      <a:solidFill>
+                        <a:srgbClr val="000000"/>
+                      </a:solidFill>
+                      <a:prstDash val="solid"/>
+                      <a:round/>
+                      <a:headEnd type="none" w="med" len="med"/>
+                      <a:tailEnd type="none" w="med" len="med"/>
+                    </a:lnR>
+                    <a:lnT w="6350" cap="flat" cmpd="sng" algn="ctr">
+                      <a:solidFill>
+                        <a:srgbClr val="000000"/>
+                      </a:solidFill>
+                      <a:prstDash val="solid"/>
+                      <a:round/>
+                      <a:headEnd type="none" w="med" len="med"/>
+                      <a:tailEnd type="none" w="med" len="med"/>
+                    </a:lnT>
+                    <a:lnB w="6350" cap="flat" cmpd="sng" algn="ctr">
+                      <a:solidFill>
+                        <a:srgbClr val="000000"/>
+                      </a:solidFill>
+                      <a:prstDash val="solid"/>
+                      <a:round/>
+                      <a:headEnd type="none" w="med" len="med"/>
+                      <a:tailEnd type="none" w="med" len="med"/>
+                    </a:lnB>
+                  </a:tcPr>
+                </a:tc>
+              </a:tr>
+              <a:tr h="304800">
+                <a:tc vMerge="1">
+                  <a:txBody>
+                    <a:bodyPr/>
+                    <a:lstStyle/>
+                    <a:p>
+                      <a:endParaRPr kumimoji="1" lang="ja-JP" altLang="en-US"/>
+                    </a:p>
+                  </a:txBody>
+                  <a:tcPr/>
+                </a:tc>
+                <a:tc>
+                  <a:txBody>
+                    <a:bodyPr/>
+                    <a:lstStyle/>
+                    <a:p>
+                      <a:pPr algn="l" fontAlgn="ctr"/>
+                      <a:r>
+                        <a:rPr lang="ja-JP" altLang="en-US" sz="1100" b="0" i="0" u="none" strike="noStrike">
+                          <a:solidFill>
+                            <a:srgbClr val="000000"/>
+                          </a:solidFill>
+                          <a:effectLst/>
+                          <a:latin typeface="ＭＳ Ｐゴシック"/>
+                        </a:rPr>
+                        <a:t>テストエラー率</a:t>
+                      </a:r>
+                    </a:p>
+                  </a:txBody>
+                  <a:tcPr marL="9525" marR="9525" marT="9525" marB="0" anchor="ctr">
+                    <a:lnL w="6350" cap="flat" cmpd="sng" algn="ctr">
+                      <a:solidFill>
+                        <a:srgbClr val="000000"/>
+                      </a:solidFill>
+                      <a:prstDash val="solid"/>
+                      <a:round/>
+                      <a:headEnd type="none" w="med" len="med"/>
+                      <a:tailEnd type="none" w="med" len="med"/>
+                    </a:lnL>
+                    <a:lnR w="6350" cap="flat" cmpd="sng" algn="ctr">
+                      <a:solidFill>
+                        <a:srgbClr val="000000"/>
+                      </a:solidFill>
+                      <a:prstDash val="solid"/>
+                      <a:round/>
+                      <a:headEnd type="none" w="med" len="med"/>
+                      <a:tailEnd type="none" w="med" len="med"/>
+                    </a:lnR>
+                    <a:lnT w="6350" cap="flat" cmpd="sng" algn="ctr">
+                      <a:solidFill>
+                        <a:srgbClr val="000000"/>
+                      </a:solidFill>
+                      <a:prstDash val="solid"/>
+                      <a:round/>
+                      <a:headEnd type="none" w="med" len="med"/>
+                      <a:tailEnd type="none" w="med" len="med"/>
+                    </a:lnT>
+                    <a:lnB w="6350" cap="flat" cmpd="sng" algn="ctr">
+                      <a:solidFill>
+                        <a:srgbClr val="000000"/>
+                      </a:solidFill>
+                      <a:prstDash val="solid"/>
+                      <a:round/>
+                      <a:headEnd type="none" w="med" len="med"/>
+                      <a:tailEnd type="none" w="med" len="med"/>
+                    </a:lnB>
+                  </a:tcPr>
+                </a:tc>
+                <a:tc>
+                  <a:txBody>
+                    <a:bodyPr/>
+                    <a:lstStyle/>
+                    <a:p>
+                      <a:pPr algn="l" fontAlgn="ctr"/>
+                      <a:r>
+                        <a:rPr lang="ja-JP" altLang="en-US" sz="1100" b="0" i="0" u="none" strike="noStrike">
+                          <a:solidFill>
+                            <a:srgbClr val="000000"/>
+                          </a:solidFill>
+                          <a:effectLst/>
+                          <a:latin typeface="ＭＳ Ｐゴシック"/>
+                        </a:rPr>
+                        <a:t>件</a:t>
+                      </a:r>
+                      <a:r>
+                        <a:rPr lang="en-US" altLang="ja-JP" sz="1100" b="0" i="0" u="none" strike="noStrike">
+                          <a:solidFill>
+                            <a:srgbClr val="000000"/>
+                          </a:solidFill>
+                          <a:effectLst/>
+                          <a:latin typeface="ＭＳ Ｐゴシック"/>
+                        </a:rPr>
+                        <a:t>/</a:t>
+                      </a:r>
+                      <a:r>
+                        <a:rPr lang="en-US" sz="1100" b="0" i="0" u="none" strike="noStrike">
+                          <a:solidFill>
+                            <a:srgbClr val="000000"/>
+                          </a:solidFill>
+                          <a:effectLst/>
+                          <a:latin typeface="ＭＳ Ｐゴシック"/>
+                        </a:rPr>
+                        <a:t>Ks</a:t>
+                      </a:r>
+                    </a:p>
+                  </a:txBody>
+                  <a:tcPr marL="9525" marR="9525" marT="9525" marB="0" anchor="ctr">
+                    <a:lnL w="6350" cap="flat" cmpd="sng" algn="ctr">
+                      <a:solidFill>
+                        <a:srgbClr val="000000"/>
+                      </a:solidFill>
+                      <a:prstDash val="solid"/>
+                      <a:round/>
+                      <a:headEnd type="none" w="med" len="med"/>
+                      <a:tailEnd type="none" w="med" len="med"/>
+                    </a:lnL>
+                    <a:lnR w="6350" cap="flat" cmpd="sng" algn="ctr">
+                      <a:solidFill>
+                        <a:srgbClr val="000000"/>
+                      </a:solidFill>
+                      <a:prstDash val="solid"/>
+                      <a:round/>
+                      <a:headEnd type="none" w="med" len="med"/>
+                      <a:tailEnd type="none" w="med" len="med"/>
+                    </a:lnR>
+                    <a:lnT w="6350" cap="flat" cmpd="sng" algn="ctr">
+                      <a:solidFill>
+                        <a:srgbClr val="000000"/>
+                      </a:solidFill>
+                      <a:prstDash val="solid"/>
+                      <a:round/>
+                      <a:headEnd type="none" w="med" len="med"/>
+                      <a:tailEnd type="none" w="med" len="med"/>
+                    </a:lnT>
+                    <a:lnB w="6350" cap="flat" cmpd="sng" algn="ctr">
+                      <a:solidFill>
+                        <a:srgbClr val="000000"/>
+                      </a:solidFill>
+                      <a:prstDash val="solid"/>
+                      <a:round/>
+                      <a:headEnd type="none" w="med" len="med"/>
+                      <a:tailEnd type="none" w="med" len="med"/>
+                    </a:lnB>
+                  </a:tcPr>
+                </a:tc>
+                <a:tc>
+                  <a:txBody>
+                    <a:bodyPr/>
+                    <a:lstStyle/>
+                    <a:p>
+                      <a:pPr algn="ctr" fontAlgn="ctr"/>
+                      <a:r>
+                        <a:rPr lang="en-US" altLang="ja-JP" sz="1100" b="0" i="0" u="none" strike="noStrike">
+                          <a:solidFill>
+                            <a:srgbClr val="000000"/>
+                          </a:solidFill>
+                          <a:effectLst/>
+                          <a:latin typeface="ＭＳ Ｐゴシック"/>
+                        </a:rPr>
+                        <a:t>4.0</a:t>
+                      </a:r>
+                    </a:p>
+                  </a:txBody>
+                  <a:tcPr marL="9525" marR="9525" marT="9525" marB="0" anchor="ctr">
+                    <a:lnL w="6350" cap="flat" cmpd="sng" algn="ctr">
+                      <a:solidFill>
+                        <a:srgbClr val="000000"/>
+                      </a:solidFill>
+                      <a:prstDash val="solid"/>
+                      <a:round/>
+                      <a:headEnd type="none" w="med" len="med"/>
+                      <a:tailEnd type="none" w="med" len="med"/>
+                    </a:lnL>
+                    <a:lnR w="6350" cap="flat" cmpd="sng" algn="ctr">
+                      <a:solidFill>
+                        <a:srgbClr val="000000"/>
+                      </a:solidFill>
+                      <a:prstDash val="solid"/>
+                      <a:round/>
+                      <a:headEnd type="none" w="med" len="med"/>
+                      <a:tailEnd type="none" w="med" len="med"/>
+                    </a:lnR>
+                    <a:lnT w="6350" cap="flat" cmpd="sng" algn="ctr">
+                      <a:solidFill>
+                        <a:srgbClr val="000000"/>
+                      </a:solidFill>
+                      <a:prstDash val="solid"/>
+                      <a:round/>
+                      <a:headEnd type="none" w="med" len="med"/>
+                      <a:tailEnd type="none" w="med" len="med"/>
+                    </a:lnT>
+                    <a:lnB w="6350" cap="flat" cmpd="sng" algn="ctr">
+                      <a:solidFill>
+                        <a:srgbClr val="000000"/>
+                      </a:solidFill>
+                      <a:prstDash val="solid"/>
+                      <a:round/>
+                      <a:headEnd type="none" w="med" len="med"/>
+                      <a:tailEnd type="none" w="med" len="med"/>
+                    </a:lnB>
+                  </a:tcPr>
+                </a:tc>
+                <a:tc>
+                  <a:txBody>
+                    <a:bodyPr/>
+                    <a:lstStyle/>
+                    <a:p>
+                      <a:pPr algn="ctr" fontAlgn="ctr"/>
+                      <a:r>
+                        <a:rPr lang="en-US" altLang="ja-JP" sz="1100" b="0" i="0" u="none" strike="noStrike">
+                          <a:solidFill>
+                            <a:srgbClr val="000000"/>
+                          </a:solidFill>
+                          <a:effectLst/>
+                          <a:latin typeface="ＭＳ Ｐゴシック"/>
+                        </a:rPr>
+                        <a:t>2.0</a:t>
+                      </a:r>
+                    </a:p>
+                  </a:txBody>
+                  <a:tcPr marL="9525" marR="9525" marT="9525" marB="0" anchor="ctr">
+                    <a:lnL w="6350" cap="flat" cmpd="sng" algn="ctr">
+                      <a:solidFill>
+                        <a:srgbClr val="000000"/>
+                      </a:solidFill>
+                      <a:prstDash val="solid"/>
+                      <a:round/>
+                      <a:headEnd type="none" w="med" len="med"/>
+                      <a:tailEnd type="none" w="med" len="med"/>
+                    </a:lnL>
+                    <a:lnR w="6350" cap="flat" cmpd="sng" algn="ctr">
+                      <a:solidFill>
+                        <a:srgbClr val="000000"/>
+                      </a:solidFill>
+                      <a:prstDash val="solid"/>
+                      <a:round/>
+                      <a:headEnd type="none" w="med" len="med"/>
+                      <a:tailEnd type="none" w="med" len="med"/>
+                    </a:lnR>
+                    <a:lnT w="6350" cap="flat" cmpd="sng" algn="ctr">
+                      <a:solidFill>
+                        <a:srgbClr val="000000"/>
+                      </a:solidFill>
+                      <a:prstDash val="solid"/>
+                      <a:round/>
+                      <a:headEnd type="none" w="med" len="med"/>
+                      <a:tailEnd type="none" w="med" len="med"/>
+                    </a:lnT>
+                    <a:lnB w="6350" cap="flat" cmpd="sng" algn="ctr">
+                      <a:solidFill>
+                        <a:srgbClr val="000000"/>
+                      </a:solidFill>
+                      <a:prstDash val="solid"/>
+                      <a:round/>
+                      <a:headEnd type="none" w="med" len="med"/>
+                      <a:tailEnd type="none" w="med" len="med"/>
+                    </a:lnB>
+                  </a:tcPr>
+                </a:tc>
+                <a:tc>
+                  <a:txBody>
+                    <a:bodyPr/>
+                    <a:lstStyle/>
+                    <a:p>
+                      <a:pPr algn="ctr" fontAlgn="ctr"/>
+                      <a:r>
+                        <a:rPr lang="en-US" altLang="ja-JP" sz="1100" b="0" i="0" u="none" strike="noStrike">
+                          <a:solidFill>
+                            <a:srgbClr val="000000"/>
+                          </a:solidFill>
+                          <a:effectLst/>
+                          <a:latin typeface="ＭＳ Ｐゴシック"/>
+                        </a:rPr>
+                        <a:t>6.0</a:t>
+                      </a:r>
+                    </a:p>
+                  </a:txBody>
+                  <a:tcPr marL="9525" marR="9525" marT="9525" marB="0" anchor="ctr">
+                    <a:lnL w="6350" cap="flat" cmpd="sng" algn="ctr">
+                      <a:solidFill>
+                        <a:srgbClr val="000000"/>
+                      </a:solidFill>
+                      <a:prstDash val="solid"/>
+                      <a:round/>
+                      <a:headEnd type="none" w="med" len="med"/>
+                      <a:tailEnd type="none" w="med" len="med"/>
+                    </a:lnL>
+                    <a:lnR w="6350" cap="flat" cmpd="sng" algn="ctr">
+                      <a:solidFill>
+                        <a:srgbClr val="000000"/>
+                      </a:solidFill>
+                      <a:prstDash val="solid"/>
+                      <a:round/>
+                      <a:headEnd type="none" w="med" len="med"/>
+                      <a:tailEnd type="none" w="med" len="med"/>
+                    </a:lnR>
+                    <a:lnT w="6350" cap="flat" cmpd="sng" algn="ctr">
+                      <a:solidFill>
+                        <a:srgbClr val="000000"/>
+                      </a:solidFill>
+                      <a:prstDash val="solid"/>
+                      <a:round/>
+                      <a:headEnd type="none" w="med" len="med"/>
+                      <a:tailEnd type="none" w="med" len="med"/>
+                    </a:lnT>
+                    <a:lnB w="6350" cap="flat" cmpd="sng" algn="ctr">
+                      <a:solidFill>
+                        <a:srgbClr val="000000"/>
+                      </a:solidFill>
+                      <a:prstDash val="solid"/>
+                      <a:round/>
+                      <a:headEnd type="none" w="med" len="med"/>
+                      <a:tailEnd type="none" w="med" len="med"/>
+                    </a:lnB>
+                  </a:tcPr>
+                </a:tc>
+                <a:tc>
+                  <a:txBody>
+                    <a:bodyPr/>
+                    <a:lstStyle/>
+                    <a:p>
+                      <a:pPr algn="ctr" fontAlgn="ctr"/>
+                      <a:r>
+                        <a:rPr lang="en-US" altLang="ja-JP" sz="1100" b="0" i="0" u="none" strike="noStrike">
+                          <a:solidFill>
+                            <a:srgbClr val="000000"/>
+                          </a:solidFill>
+                          <a:effectLst/>
+                          <a:latin typeface="ＭＳ Ｐゴシック"/>
+                        </a:rPr>
+                        <a:t>4.9</a:t>
+                      </a:r>
+                    </a:p>
+                  </a:txBody>
+                  <a:tcPr marL="9525" marR="9525" marT="9525" marB="0" anchor="ctr">
+                    <a:lnL w="6350" cap="flat" cmpd="sng" algn="ctr">
+                      <a:solidFill>
+                        <a:srgbClr val="000000"/>
+                      </a:solidFill>
+                      <a:prstDash val="solid"/>
+                      <a:round/>
+                      <a:headEnd type="none" w="med" len="med"/>
+                      <a:tailEnd type="none" w="med" len="med"/>
+                    </a:lnL>
+                    <a:lnR w="6350" cap="flat" cmpd="sng" algn="ctr">
+                      <a:solidFill>
+                        <a:srgbClr val="000000"/>
+                      </a:solidFill>
+                      <a:prstDash val="solid"/>
+                      <a:round/>
+                      <a:headEnd type="none" w="med" len="med"/>
+                      <a:tailEnd type="none" w="med" len="med"/>
+                    </a:lnR>
+                    <a:lnT w="6350" cap="flat" cmpd="sng" algn="ctr">
+                      <a:solidFill>
+                        <a:srgbClr val="000000"/>
+                      </a:solidFill>
+                      <a:prstDash val="solid"/>
+                      <a:round/>
+                      <a:headEnd type="none" w="med" len="med"/>
+                      <a:tailEnd type="none" w="med" len="med"/>
+                    </a:lnT>
+                    <a:lnB w="6350" cap="flat" cmpd="sng" algn="ctr">
+                      <a:solidFill>
+                        <a:srgbClr val="000000"/>
+                      </a:solidFill>
+                      <a:prstDash val="solid"/>
+                      <a:round/>
+                      <a:headEnd type="none" w="med" len="med"/>
+                      <a:tailEnd type="none" w="med" len="med"/>
+                    </a:lnB>
+                    <a:solidFill>
+                      <a:srgbClr val="D8E4BC"/>
+                    </a:solidFill>
+                  </a:tcPr>
+                </a:tc>
+                <a:tc vMerge="1">
+                  <a:txBody>
+                    <a:bodyPr/>
+                    <a:lstStyle/>
+                    <a:p>
+                      <a:endParaRPr kumimoji="1" lang="ja-JP" altLang="en-US"/>
+                    </a:p>
+                  </a:txBody>
+                  <a:tcPr/>
+                </a:tc>
+              </a:tr>
+              <a:tr h="304800">
+                <a:tc rowSpan="2">
+                  <a:txBody>
+                    <a:bodyPr/>
+                    <a:lstStyle/>
+                    <a:p>
+                      <a:pPr algn="ctr" fontAlgn="ctr"/>
+                      <a:r>
+                        <a:rPr lang="ja-JP" altLang="en-US" sz="1100" b="0" i="0" u="none" strike="noStrike">
+                          <a:solidFill>
+                            <a:srgbClr val="000000"/>
+                          </a:solidFill>
+                          <a:effectLst/>
+                          <a:latin typeface="ＭＳ Ｐゴシック"/>
+                        </a:rPr>
+                        <a:t>システムテスト</a:t>
+                      </a:r>
+                    </a:p>
+                  </a:txBody>
+                  <a:tcPr marL="9525" marR="9525" marT="9525" marB="0" anchor="ctr">
+                    <a:lnL w="6350" cap="flat" cmpd="sng" algn="ctr">
+                      <a:solidFill>
+                        <a:srgbClr val="000000"/>
+                      </a:solidFill>
+                      <a:prstDash val="solid"/>
+                      <a:round/>
+                      <a:headEnd type="none" w="med" len="med"/>
+                      <a:tailEnd type="none" w="med" len="med"/>
+                    </a:lnL>
+                    <a:lnR w="6350" cap="flat" cmpd="sng" algn="ctr">
+                      <a:solidFill>
+                        <a:srgbClr val="000000"/>
+                      </a:solidFill>
+                      <a:prstDash val="solid"/>
+                      <a:round/>
+                      <a:headEnd type="none" w="med" len="med"/>
+                      <a:tailEnd type="none" w="med" len="med"/>
+                    </a:lnR>
+                    <a:lnT w="6350" cap="flat" cmpd="sng" algn="ctr">
+                      <a:solidFill>
+                        <a:srgbClr val="000000"/>
+                      </a:solidFill>
+                      <a:prstDash val="solid"/>
+                      <a:round/>
+                      <a:headEnd type="none" w="med" len="med"/>
+                      <a:tailEnd type="none" w="med" len="med"/>
+                    </a:lnT>
+                    <a:lnB w="6350" cap="flat" cmpd="sng" algn="ctr">
+                      <a:solidFill>
+                        <a:srgbClr val="000000"/>
+                      </a:solidFill>
+                      <a:prstDash val="solid"/>
+                      <a:round/>
+                      <a:headEnd type="none" w="med" len="med"/>
+                      <a:tailEnd type="none" w="med" len="med"/>
+                    </a:lnB>
+                  </a:tcPr>
+                </a:tc>
+                <a:tc>
+                  <a:txBody>
+                    <a:bodyPr/>
+                    <a:lstStyle/>
+                    <a:p>
+                      <a:pPr algn="l" fontAlgn="ctr"/>
+                      <a:r>
+                        <a:rPr lang="ja-JP" altLang="en-US" sz="1100" b="0" i="0" u="none" strike="noStrike">
+                          <a:solidFill>
+                            <a:srgbClr val="000000"/>
+                          </a:solidFill>
+                          <a:effectLst/>
+                          <a:latin typeface="ＭＳ Ｐゴシック"/>
+                        </a:rPr>
+                        <a:t>テスト項目設定率</a:t>
+                      </a:r>
+                    </a:p>
+                  </a:txBody>
+                  <a:tcPr marL="9525" marR="9525" marT="9525" marB="0" anchor="ctr">
+                    <a:lnL w="6350" cap="flat" cmpd="sng" algn="ctr">
+                      <a:solidFill>
+                        <a:srgbClr val="000000"/>
+                      </a:solidFill>
+                      <a:prstDash val="solid"/>
+                      <a:round/>
+                      <a:headEnd type="none" w="med" len="med"/>
+                      <a:tailEnd type="none" w="med" len="med"/>
+                    </a:lnL>
+                    <a:lnR w="6350" cap="flat" cmpd="sng" algn="ctr">
+                      <a:solidFill>
+                        <a:srgbClr val="000000"/>
+                      </a:solidFill>
+                      <a:prstDash val="solid"/>
+                      <a:round/>
+                      <a:headEnd type="none" w="med" len="med"/>
+                      <a:tailEnd type="none" w="med" len="med"/>
+                    </a:lnR>
+                    <a:lnT w="6350" cap="flat" cmpd="sng" algn="ctr">
+                      <a:solidFill>
+                        <a:srgbClr val="000000"/>
+                      </a:solidFill>
+                      <a:prstDash val="solid"/>
+                      <a:round/>
+                      <a:headEnd type="none" w="med" len="med"/>
+                      <a:tailEnd type="none" w="med" len="med"/>
+                    </a:lnT>
+                    <a:lnB w="6350" cap="flat" cmpd="sng" algn="ctr">
+                      <a:solidFill>
+                        <a:srgbClr val="000000"/>
+                      </a:solidFill>
+                      <a:prstDash val="solid"/>
+                      <a:round/>
+                      <a:headEnd type="none" w="med" len="med"/>
+                      <a:tailEnd type="none" w="med" len="med"/>
+                    </a:lnB>
+                  </a:tcPr>
+                </a:tc>
+                <a:tc>
+                  <a:txBody>
+                    <a:bodyPr/>
+                    <a:lstStyle/>
+                    <a:p>
+                      <a:pPr algn="l" fontAlgn="ctr"/>
+                      <a:r>
+                        <a:rPr lang="ja-JP" altLang="en-US" sz="1100" b="0" i="0" u="none" strike="noStrike">
+                          <a:solidFill>
+                            <a:srgbClr val="000000"/>
+                          </a:solidFill>
+                          <a:effectLst/>
+                          <a:latin typeface="ＭＳ Ｐゴシック"/>
+                        </a:rPr>
+                        <a:t>項目</a:t>
+                      </a:r>
+                      <a:r>
+                        <a:rPr lang="en-US" altLang="ja-JP" sz="1100" b="0" i="0" u="none" strike="noStrike">
+                          <a:solidFill>
+                            <a:srgbClr val="000000"/>
+                          </a:solidFill>
+                          <a:effectLst/>
+                          <a:latin typeface="ＭＳ Ｐゴシック"/>
+                        </a:rPr>
+                        <a:t>/</a:t>
+                      </a:r>
+                      <a:r>
+                        <a:rPr lang="en-US" sz="1100" b="0" i="0" u="none" strike="noStrike">
+                          <a:solidFill>
+                            <a:srgbClr val="000000"/>
+                          </a:solidFill>
+                          <a:effectLst/>
+                          <a:latin typeface="ＭＳ Ｐゴシック"/>
+                        </a:rPr>
+                        <a:t>Ks</a:t>
+                      </a:r>
+                    </a:p>
+                  </a:txBody>
+                  <a:tcPr marL="9525" marR="9525" marT="9525" marB="0" anchor="ctr">
+                    <a:lnL w="6350" cap="flat" cmpd="sng" algn="ctr">
+                      <a:solidFill>
+                        <a:srgbClr val="000000"/>
+                      </a:solidFill>
+                      <a:prstDash val="solid"/>
+                      <a:round/>
+                      <a:headEnd type="none" w="med" len="med"/>
+                      <a:tailEnd type="none" w="med" len="med"/>
+                    </a:lnL>
+                    <a:lnR w="6350" cap="flat" cmpd="sng" algn="ctr">
+                      <a:solidFill>
+                        <a:srgbClr val="000000"/>
+                      </a:solidFill>
+                      <a:prstDash val="solid"/>
+                      <a:round/>
+                      <a:headEnd type="none" w="med" len="med"/>
+                      <a:tailEnd type="none" w="med" len="med"/>
+                    </a:lnR>
+                    <a:lnT w="6350" cap="flat" cmpd="sng" algn="ctr">
+                      <a:solidFill>
+                        <a:srgbClr val="000000"/>
+                      </a:solidFill>
+                      <a:prstDash val="solid"/>
+                      <a:round/>
+                      <a:headEnd type="none" w="med" len="med"/>
+                      <a:tailEnd type="none" w="med" len="med"/>
+                    </a:lnT>
+                    <a:lnB w="6350" cap="flat" cmpd="sng" algn="ctr">
+                      <a:solidFill>
+                        <a:srgbClr val="000000"/>
+                      </a:solidFill>
+                      <a:prstDash val="solid"/>
+                      <a:round/>
+                      <a:headEnd type="none" w="med" len="med"/>
+                      <a:tailEnd type="none" w="med" len="med"/>
+                    </a:lnB>
+                  </a:tcPr>
+                </a:tc>
+                <a:tc>
+                  <a:txBody>
+                    <a:bodyPr/>
+                    <a:lstStyle/>
+                    <a:p>
+                      <a:pPr algn="ctr" fontAlgn="ctr"/>
+                      <a:r>
+                        <a:rPr lang="en-US" altLang="ja-JP" sz="1100" b="0" i="0" u="none" strike="noStrike">
+                          <a:solidFill>
+                            <a:srgbClr val="000000"/>
+                          </a:solidFill>
+                          <a:effectLst/>
+                          <a:latin typeface="ＭＳ Ｐゴシック"/>
+                        </a:rPr>
+                        <a:t>22.0</a:t>
+                      </a:r>
+                    </a:p>
+                  </a:txBody>
+                  <a:tcPr marL="9525" marR="9525" marT="9525" marB="0" anchor="ctr">
+                    <a:lnL w="6350" cap="flat" cmpd="sng" algn="ctr">
+                      <a:solidFill>
+                        <a:srgbClr val="000000"/>
+                      </a:solidFill>
+                      <a:prstDash val="solid"/>
+                      <a:round/>
+                      <a:headEnd type="none" w="med" len="med"/>
+                      <a:tailEnd type="none" w="med" len="med"/>
+                    </a:lnL>
+                    <a:lnR w="6350" cap="flat" cmpd="sng" algn="ctr">
+                      <a:solidFill>
+                        <a:srgbClr val="000000"/>
+                      </a:solidFill>
+                      <a:prstDash val="solid"/>
+                      <a:round/>
+                      <a:headEnd type="none" w="med" len="med"/>
+                      <a:tailEnd type="none" w="med" len="med"/>
+                    </a:lnR>
+                    <a:lnT w="6350" cap="flat" cmpd="sng" algn="ctr">
+                      <a:solidFill>
+                        <a:srgbClr val="000000"/>
+                      </a:solidFill>
+                      <a:prstDash val="solid"/>
+                      <a:round/>
+                      <a:headEnd type="none" w="med" len="med"/>
+                      <a:tailEnd type="none" w="med" len="med"/>
+                    </a:lnT>
+                    <a:lnB w="6350" cap="flat" cmpd="sng" algn="ctr">
+                      <a:solidFill>
+                        <a:srgbClr val="000000"/>
+                      </a:solidFill>
+                      <a:prstDash val="solid"/>
+                      <a:round/>
+                      <a:headEnd type="none" w="med" len="med"/>
+                      <a:tailEnd type="none" w="med" len="med"/>
+                    </a:lnB>
+                  </a:tcPr>
+                </a:tc>
+                <a:tc>
+                  <a:txBody>
+                    <a:bodyPr/>
+                    <a:lstStyle/>
+                    <a:p>
+                      <a:pPr algn="ctr" fontAlgn="ctr"/>
+                      <a:r>
+                        <a:rPr lang="en-US" altLang="ja-JP" sz="1100" b="0" i="0" u="none" strike="noStrike">
+                          <a:solidFill>
+                            <a:srgbClr val="000000"/>
+                          </a:solidFill>
+                          <a:effectLst/>
+                          <a:latin typeface="ＭＳ Ｐゴシック"/>
+                        </a:rPr>
+                        <a:t>12.0</a:t>
+                      </a:r>
+                    </a:p>
+                  </a:txBody>
+                  <a:tcPr marL="9525" marR="9525" marT="9525" marB="0" anchor="ctr">
+                    <a:lnL w="6350" cap="flat" cmpd="sng" algn="ctr">
+                      <a:solidFill>
+                        <a:srgbClr val="000000"/>
+                      </a:solidFill>
+                      <a:prstDash val="solid"/>
+                      <a:round/>
+                      <a:headEnd type="none" w="med" len="med"/>
+                      <a:tailEnd type="none" w="med" len="med"/>
+                    </a:lnL>
+                    <a:lnR w="6350" cap="flat" cmpd="sng" algn="ctr">
+                      <a:solidFill>
+                        <a:srgbClr val="000000"/>
+                      </a:solidFill>
+                      <a:prstDash val="solid"/>
+                      <a:round/>
+                      <a:headEnd type="none" w="med" len="med"/>
+                      <a:tailEnd type="none" w="med" len="med"/>
+                    </a:lnR>
+                    <a:lnT w="6350" cap="flat" cmpd="sng" algn="ctr">
+                      <a:solidFill>
+                        <a:srgbClr val="000000"/>
+                      </a:solidFill>
+                      <a:prstDash val="solid"/>
+                      <a:round/>
+                      <a:headEnd type="none" w="med" len="med"/>
+                      <a:tailEnd type="none" w="med" len="med"/>
+                    </a:lnT>
+                    <a:lnB w="6350" cap="flat" cmpd="sng" algn="ctr">
+                      <a:solidFill>
+                        <a:srgbClr val="000000"/>
+                      </a:solidFill>
+                      <a:prstDash val="solid"/>
+                      <a:round/>
+                      <a:headEnd type="none" w="med" len="med"/>
+                      <a:tailEnd type="none" w="med" len="med"/>
+                    </a:lnB>
+                  </a:tcPr>
+                </a:tc>
+                <a:tc>
+                  <a:txBody>
+                    <a:bodyPr/>
+                    <a:lstStyle/>
+                    <a:p>
+                      <a:pPr algn="ctr" fontAlgn="ctr"/>
+                      <a:r>
+                        <a:rPr lang="en-US" altLang="ja-JP" sz="1100" b="0" i="0" u="none" strike="noStrike">
+                          <a:solidFill>
+                            <a:srgbClr val="000000"/>
+                          </a:solidFill>
+                          <a:effectLst/>
+                          <a:latin typeface="ＭＳ Ｐゴシック"/>
+                        </a:rPr>
+                        <a:t>32.0</a:t>
+                      </a:r>
+                    </a:p>
+                  </a:txBody>
+                  <a:tcPr marL="9525" marR="9525" marT="9525" marB="0" anchor="ctr">
+                    <a:lnL w="6350" cap="flat" cmpd="sng" algn="ctr">
+                      <a:solidFill>
+                        <a:srgbClr val="000000"/>
+                      </a:solidFill>
+                      <a:prstDash val="solid"/>
+                      <a:round/>
+                      <a:headEnd type="none" w="med" len="med"/>
+                      <a:tailEnd type="none" w="med" len="med"/>
+                    </a:lnL>
+                    <a:lnR w="6350" cap="flat" cmpd="sng" algn="ctr">
+                      <a:solidFill>
+                        <a:srgbClr val="000000"/>
+                      </a:solidFill>
+                      <a:prstDash val="solid"/>
+                      <a:round/>
+                      <a:headEnd type="none" w="med" len="med"/>
+                      <a:tailEnd type="none" w="med" len="med"/>
+                    </a:lnR>
+                    <a:lnT w="6350" cap="flat" cmpd="sng" algn="ctr">
+                      <a:solidFill>
+                        <a:srgbClr val="000000"/>
+                      </a:solidFill>
+                      <a:prstDash val="solid"/>
+                      <a:round/>
+                      <a:headEnd type="none" w="med" len="med"/>
+                      <a:tailEnd type="none" w="med" len="med"/>
+                    </a:lnT>
+                    <a:lnB w="6350" cap="flat" cmpd="sng" algn="ctr">
+                      <a:solidFill>
+                        <a:srgbClr val="000000"/>
+                      </a:solidFill>
+                      <a:prstDash val="solid"/>
+                      <a:round/>
+                      <a:headEnd type="none" w="med" len="med"/>
+                      <a:tailEnd type="none" w="med" len="med"/>
+                    </a:lnB>
+                  </a:tcPr>
+                </a:tc>
+                <a:tc>
+                  <a:txBody>
+                    <a:bodyPr/>
+                    <a:lstStyle/>
+                    <a:p>
+                      <a:pPr algn="ctr" fontAlgn="ctr"/>
+                      <a:r>
+                        <a:rPr lang="en-US" altLang="ja-JP" sz="1100" b="0" i="0" u="none" strike="noStrike">
+                          <a:solidFill>
+                            <a:srgbClr val="000000"/>
+                          </a:solidFill>
+                          <a:effectLst/>
+                          <a:latin typeface="ＭＳ Ｐゴシック"/>
+                        </a:rPr>
+                        <a:t>2.1</a:t>
+                      </a:r>
+                    </a:p>
+                  </a:txBody>
+                  <a:tcPr marL="9525" marR="9525" marT="9525" marB="0" anchor="ctr">
+                    <a:lnL w="6350" cap="flat" cmpd="sng" algn="ctr">
+                      <a:solidFill>
+                        <a:srgbClr val="000000"/>
+                      </a:solidFill>
+                      <a:prstDash val="solid"/>
+                      <a:round/>
+                      <a:headEnd type="none" w="med" len="med"/>
+                      <a:tailEnd type="none" w="med" len="med"/>
+                    </a:lnL>
+                    <a:lnR w="6350" cap="flat" cmpd="sng" algn="ctr">
+                      <a:solidFill>
+                        <a:srgbClr val="000000"/>
+                      </a:solidFill>
+                      <a:prstDash val="solid"/>
+                      <a:round/>
+                      <a:headEnd type="none" w="med" len="med"/>
+                      <a:tailEnd type="none" w="med" len="med"/>
+                    </a:lnR>
+                    <a:lnT w="6350" cap="flat" cmpd="sng" algn="ctr">
+                      <a:solidFill>
+                        <a:srgbClr val="000000"/>
+                      </a:solidFill>
+                      <a:prstDash val="solid"/>
+                      <a:round/>
+                      <a:headEnd type="none" w="med" len="med"/>
+                      <a:tailEnd type="none" w="med" len="med"/>
+                    </a:lnT>
+                    <a:lnB w="6350" cap="flat" cmpd="sng" algn="ctr">
+                      <a:solidFill>
+                        <a:srgbClr val="000000"/>
+                      </a:solidFill>
+                      <a:prstDash val="solid"/>
+                      <a:round/>
+                      <a:headEnd type="none" w="med" len="med"/>
+                      <a:tailEnd type="none" w="med" len="med"/>
+                    </a:lnB>
+                    <a:solidFill>
+                      <a:srgbClr val="D8E4BC"/>
+                    </a:solidFill>
+                  </a:tcPr>
+                </a:tc>
+                <a:tc rowSpan="2">
+                  <a:txBody>
+                    <a:bodyPr/>
+                    <a:lstStyle/>
+                    <a:p>
+                      <a:pPr algn="l" fontAlgn="t"/>
+                      <a:r>
+                        <a:rPr lang="ja-JP" altLang="en-US" sz="1100" b="0" i="0" u="none" strike="noStrike">
+                          <a:solidFill>
+                            <a:srgbClr val="000000"/>
+                          </a:solidFill>
+                          <a:effectLst/>
+                          <a:latin typeface="ＭＳ Ｐゴシック"/>
+                        </a:rPr>
+                        <a:t>下限値から</a:t>
+                      </a:r>
+                      <a:r>
+                        <a:rPr lang="en-US" altLang="ja-JP" sz="1100" b="0" i="0" u="none" strike="noStrike">
+                          <a:solidFill>
+                            <a:srgbClr val="000000"/>
+                          </a:solidFill>
+                          <a:effectLst/>
+                          <a:latin typeface="ＭＳ Ｐゴシック"/>
+                        </a:rPr>
+                        <a:t>10.0</a:t>
+                      </a:r>
+                      <a:r>
+                        <a:rPr lang="ja-JP" altLang="en-US" sz="1100" b="0" i="0" u="none" strike="noStrike">
+                          <a:solidFill>
+                            <a:srgbClr val="000000"/>
+                          </a:solidFill>
+                          <a:effectLst/>
+                          <a:latin typeface="ＭＳ Ｐゴシック"/>
+                        </a:rPr>
+                        <a:t>ほど下回っている。</a:t>
+                      </a:r>
+                      <a:br>
+                        <a:rPr lang="ja-JP" altLang="en-US" sz="1100" b="0" i="0" u="none" strike="noStrike">
+                          <a:solidFill>
+                            <a:srgbClr val="000000"/>
+                          </a:solidFill>
+                          <a:effectLst/>
+                          <a:latin typeface="ＭＳ Ｐゴシック"/>
+                        </a:rPr>
+                      </a:br>
+                      <a:r>
+                        <a:rPr lang="ja-JP" altLang="en-US" sz="1100" b="0" i="0" u="none" strike="noStrike">
+                          <a:solidFill>
+                            <a:srgbClr val="000000"/>
+                          </a:solidFill>
+                          <a:effectLst/>
+                          <a:latin typeface="ＭＳ Ｐゴシック"/>
+                        </a:rPr>
+                        <a:t>テストは正常系のみ行ったため項目の</a:t>
+                      </a:r>
+                      <a:br>
+                        <a:rPr lang="ja-JP" altLang="en-US" sz="1100" b="0" i="0" u="none" strike="noStrike">
+                          <a:solidFill>
+                            <a:srgbClr val="000000"/>
+                          </a:solidFill>
+                          <a:effectLst/>
+                          <a:latin typeface="ＭＳ Ｐゴシック"/>
+                        </a:rPr>
+                      </a:br>
+                      <a:r>
+                        <a:rPr lang="ja-JP" altLang="en-US" sz="1100" b="0" i="0" u="none" strike="noStrike">
+                          <a:solidFill>
+                            <a:srgbClr val="000000"/>
+                          </a:solidFill>
+                          <a:effectLst/>
+                          <a:latin typeface="ＭＳ Ｐゴシック"/>
+                        </a:rPr>
+                        <a:t>実績値がステップ数に対して少なかった。</a:t>
+                      </a:r>
+                      <a:br>
+                        <a:rPr lang="ja-JP" altLang="en-US" sz="1100" b="0" i="0" u="none" strike="noStrike">
+                          <a:solidFill>
+                            <a:srgbClr val="000000"/>
+                          </a:solidFill>
+                          <a:effectLst/>
+                          <a:latin typeface="ＭＳ Ｐゴシック"/>
+                        </a:rPr>
+                      </a:br>
+                      <a:endParaRPr lang="ja-JP" altLang="en-US" sz="1100" b="0" i="0" u="none" strike="noStrike">
+                        <a:solidFill>
+                          <a:srgbClr val="000000"/>
+                        </a:solidFill>
+                        <a:effectLst/>
+                        <a:latin typeface="ＭＳ Ｐゴシック"/>
+                      </a:endParaRPr>
+                    </a:p>
+                  </a:txBody>
+                  <a:tcPr marL="9525" marR="9525" marT="9525" marB="0">
+                    <a:lnL w="6350" cap="flat" cmpd="sng" algn="ctr">
+                      <a:solidFill>
+                        <a:srgbClr val="000000"/>
+                      </a:solidFill>
+                      <a:prstDash val="solid"/>
+                      <a:round/>
+                      <a:headEnd type="none" w="med" len="med"/>
+                      <a:tailEnd type="none" w="med" len="med"/>
+                    </a:lnL>
+                    <a:lnR w="6350" cap="flat" cmpd="sng" algn="ctr">
+                      <a:solidFill>
+                        <a:srgbClr val="000000"/>
+                      </a:solidFill>
+                      <a:prstDash val="solid"/>
+                      <a:round/>
+                      <a:headEnd type="none" w="med" len="med"/>
+                      <a:tailEnd type="none" w="med" len="med"/>
+                    </a:lnR>
+                    <a:lnT w="6350" cap="flat" cmpd="sng" algn="ctr">
+                      <a:solidFill>
+                        <a:srgbClr val="000000"/>
+                      </a:solidFill>
+                      <a:prstDash val="solid"/>
+                      <a:round/>
+                      <a:headEnd type="none" w="med" len="med"/>
+                      <a:tailEnd type="none" w="med" len="med"/>
+                    </a:lnT>
+                    <a:lnB w="6350" cap="flat" cmpd="sng" algn="ctr">
+                      <a:solidFill>
+                        <a:srgbClr val="000000"/>
+                      </a:solidFill>
+                      <a:prstDash val="solid"/>
+                      <a:round/>
+                      <a:headEnd type="none" w="med" len="med"/>
+                      <a:tailEnd type="none" w="med" len="med"/>
+                    </a:lnB>
+                  </a:tcPr>
+                </a:tc>
+              </a:tr>
+              <a:tr h="304800">
+                <a:tc vMerge="1">
+                  <a:txBody>
+                    <a:bodyPr/>
+                    <a:lstStyle/>
+                    <a:p>
+                      <a:endParaRPr kumimoji="1" lang="ja-JP" altLang="en-US"/>
+                    </a:p>
+                  </a:txBody>
+                  <a:tcPr/>
+                </a:tc>
+                <a:tc>
+                  <a:txBody>
+                    <a:bodyPr/>
+                    <a:lstStyle/>
+                    <a:p>
+                      <a:pPr algn="l" fontAlgn="ctr"/>
+                      <a:r>
+                        <a:rPr lang="ja-JP" altLang="en-US" sz="1100" b="0" i="0" u="none" strike="noStrike">
+                          <a:solidFill>
+                            <a:srgbClr val="000000"/>
+                          </a:solidFill>
+                          <a:effectLst/>
+                          <a:latin typeface="ＭＳ Ｐゴシック"/>
+                        </a:rPr>
+                        <a:t>テストエラー率</a:t>
+                      </a:r>
+                    </a:p>
+                  </a:txBody>
+                  <a:tcPr marL="9525" marR="9525" marT="9525" marB="0" anchor="ctr">
+                    <a:lnL w="6350" cap="flat" cmpd="sng" algn="ctr">
+                      <a:solidFill>
+                        <a:srgbClr val="000000"/>
+                      </a:solidFill>
+                      <a:prstDash val="solid"/>
+                      <a:round/>
+                      <a:headEnd type="none" w="med" len="med"/>
+                      <a:tailEnd type="none" w="med" len="med"/>
+                    </a:lnL>
+                    <a:lnR w="6350" cap="flat" cmpd="sng" algn="ctr">
+                      <a:solidFill>
+                        <a:srgbClr val="000000"/>
+                      </a:solidFill>
+                      <a:prstDash val="solid"/>
+                      <a:round/>
+                      <a:headEnd type="none" w="med" len="med"/>
+                      <a:tailEnd type="none" w="med" len="med"/>
+                    </a:lnR>
+                    <a:lnT w="6350" cap="flat" cmpd="sng" algn="ctr">
+                      <a:solidFill>
+                        <a:srgbClr val="000000"/>
+                      </a:solidFill>
+                      <a:prstDash val="solid"/>
+                      <a:round/>
+                      <a:headEnd type="none" w="med" len="med"/>
+                      <a:tailEnd type="none" w="med" len="med"/>
+                    </a:lnT>
+                    <a:lnB w="6350" cap="flat" cmpd="sng" algn="ctr">
+                      <a:solidFill>
+                        <a:srgbClr val="000000"/>
+                      </a:solidFill>
+                      <a:prstDash val="solid"/>
+                      <a:round/>
+                      <a:headEnd type="none" w="med" len="med"/>
+                      <a:tailEnd type="none" w="med" len="med"/>
+                    </a:lnB>
+                  </a:tcPr>
+                </a:tc>
+                <a:tc>
+                  <a:txBody>
+                    <a:bodyPr/>
+                    <a:lstStyle/>
+                    <a:p>
+                      <a:pPr algn="l" fontAlgn="ctr"/>
+                      <a:r>
+                        <a:rPr lang="ja-JP" altLang="en-US" sz="1100" b="0" i="0" u="none" strike="noStrike">
+                          <a:solidFill>
+                            <a:srgbClr val="000000"/>
+                          </a:solidFill>
+                          <a:effectLst/>
+                          <a:latin typeface="ＭＳ Ｐゴシック"/>
+                        </a:rPr>
+                        <a:t>件</a:t>
+                      </a:r>
+                      <a:r>
+                        <a:rPr lang="en-US" altLang="ja-JP" sz="1100" b="0" i="0" u="none" strike="noStrike">
+                          <a:solidFill>
+                            <a:srgbClr val="000000"/>
+                          </a:solidFill>
+                          <a:effectLst/>
+                          <a:latin typeface="ＭＳ Ｐゴシック"/>
+                        </a:rPr>
+                        <a:t>/</a:t>
+                      </a:r>
+                      <a:r>
+                        <a:rPr lang="en-US" sz="1100" b="0" i="0" u="none" strike="noStrike">
+                          <a:solidFill>
+                            <a:srgbClr val="000000"/>
+                          </a:solidFill>
+                          <a:effectLst/>
+                          <a:latin typeface="ＭＳ Ｐゴシック"/>
+                        </a:rPr>
+                        <a:t>Ks</a:t>
+                      </a:r>
+                    </a:p>
+                  </a:txBody>
+                  <a:tcPr marL="9525" marR="9525" marT="9525" marB="0" anchor="ctr">
+                    <a:lnL w="6350" cap="flat" cmpd="sng" algn="ctr">
+                      <a:solidFill>
+                        <a:srgbClr val="000000"/>
+                      </a:solidFill>
+                      <a:prstDash val="solid"/>
+                      <a:round/>
+                      <a:headEnd type="none" w="med" len="med"/>
+                      <a:tailEnd type="none" w="med" len="med"/>
+                    </a:lnL>
+                    <a:lnR w="6350" cap="flat" cmpd="sng" algn="ctr">
+                      <a:solidFill>
+                        <a:srgbClr val="000000"/>
+                      </a:solidFill>
+                      <a:prstDash val="solid"/>
+                      <a:round/>
+                      <a:headEnd type="none" w="med" len="med"/>
+                      <a:tailEnd type="none" w="med" len="med"/>
+                    </a:lnR>
+                    <a:lnT w="6350" cap="flat" cmpd="sng" algn="ctr">
+                      <a:solidFill>
+                        <a:srgbClr val="000000"/>
+                      </a:solidFill>
+                      <a:prstDash val="solid"/>
+                      <a:round/>
+                      <a:headEnd type="none" w="med" len="med"/>
+                      <a:tailEnd type="none" w="med" len="med"/>
+                    </a:lnT>
+                    <a:lnB w="6350" cap="flat" cmpd="sng" algn="ctr">
+                      <a:solidFill>
+                        <a:srgbClr val="000000"/>
+                      </a:solidFill>
+                      <a:prstDash val="solid"/>
+                      <a:round/>
+                      <a:headEnd type="none" w="med" len="med"/>
+                      <a:tailEnd type="none" w="med" len="med"/>
+                    </a:lnB>
+                  </a:tcPr>
+                </a:tc>
+                <a:tc>
+                  <a:txBody>
+                    <a:bodyPr/>
+                    <a:lstStyle/>
+                    <a:p>
+                      <a:pPr algn="ctr" fontAlgn="ctr"/>
+                      <a:r>
+                        <a:rPr lang="en-US" altLang="ja-JP" sz="1100" b="0" i="0" u="none" strike="noStrike">
+                          <a:solidFill>
+                            <a:srgbClr val="000000"/>
+                          </a:solidFill>
+                          <a:effectLst/>
+                          <a:latin typeface="ＭＳ Ｐゴシック"/>
+                        </a:rPr>
+                        <a:t>5.0</a:t>
+                      </a:r>
+                    </a:p>
+                  </a:txBody>
+                  <a:tcPr marL="9525" marR="9525" marT="9525" marB="0" anchor="ctr">
+                    <a:lnL w="6350" cap="flat" cmpd="sng" algn="ctr">
+                      <a:solidFill>
+                        <a:srgbClr val="000000"/>
+                      </a:solidFill>
+                      <a:prstDash val="solid"/>
+                      <a:round/>
+                      <a:headEnd type="none" w="med" len="med"/>
+                      <a:tailEnd type="none" w="med" len="med"/>
+                    </a:lnL>
+                    <a:lnR w="6350" cap="flat" cmpd="sng" algn="ctr">
+                      <a:solidFill>
+                        <a:srgbClr val="000000"/>
+                      </a:solidFill>
+                      <a:prstDash val="solid"/>
+                      <a:round/>
+                      <a:headEnd type="none" w="med" len="med"/>
+                      <a:tailEnd type="none" w="med" len="med"/>
+                    </a:lnR>
+                    <a:lnT w="6350" cap="flat" cmpd="sng" algn="ctr">
+                      <a:solidFill>
+                        <a:srgbClr val="000000"/>
+                      </a:solidFill>
+                      <a:prstDash val="solid"/>
+                      <a:round/>
+                      <a:headEnd type="none" w="med" len="med"/>
+                      <a:tailEnd type="none" w="med" len="med"/>
+                    </a:lnT>
+                    <a:lnB w="6350" cap="flat" cmpd="sng" algn="ctr">
+                      <a:solidFill>
+                        <a:srgbClr val="000000"/>
+                      </a:solidFill>
+                      <a:prstDash val="solid"/>
+                      <a:round/>
+                      <a:headEnd type="none" w="med" len="med"/>
+                      <a:tailEnd type="none" w="med" len="med"/>
+                    </a:lnB>
+                  </a:tcPr>
+                </a:tc>
+                <a:tc>
+                  <a:txBody>
+                    <a:bodyPr/>
+                    <a:lstStyle/>
+                    <a:p>
+                      <a:pPr algn="ctr" fontAlgn="ctr"/>
+                      <a:r>
+                        <a:rPr lang="en-US" altLang="ja-JP" sz="1100" b="0" i="0" u="none" strike="noStrike">
+                          <a:solidFill>
+                            <a:srgbClr val="000000"/>
+                          </a:solidFill>
+                          <a:effectLst/>
+                          <a:latin typeface="ＭＳ Ｐゴシック"/>
+                        </a:rPr>
+                        <a:t>3.0</a:t>
+                      </a:r>
+                    </a:p>
+                  </a:txBody>
+                  <a:tcPr marL="9525" marR="9525" marT="9525" marB="0" anchor="ctr">
+                    <a:lnL w="6350" cap="flat" cmpd="sng" algn="ctr">
+                      <a:solidFill>
+                        <a:srgbClr val="000000"/>
+                      </a:solidFill>
+                      <a:prstDash val="solid"/>
+                      <a:round/>
+                      <a:headEnd type="none" w="med" len="med"/>
+                      <a:tailEnd type="none" w="med" len="med"/>
+                    </a:lnL>
+                    <a:lnR w="6350" cap="flat" cmpd="sng" algn="ctr">
+                      <a:solidFill>
+                        <a:srgbClr val="000000"/>
+                      </a:solidFill>
+                      <a:prstDash val="solid"/>
+                      <a:round/>
+                      <a:headEnd type="none" w="med" len="med"/>
+                      <a:tailEnd type="none" w="med" len="med"/>
+                    </a:lnR>
+                    <a:lnT w="6350" cap="flat" cmpd="sng" algn="ctr">
+                      <a:solidFill>
+                        <a:srgbClr val="000000"/>
+                      </a:solidFill>
+                      <a:prstDash val="solid"/>
+                      <a:round/>
+                      <a:headEnd type="none" w="med" len="med"/>
+                      <a:tailEnd type="none" w="med" len="med"/>
+                    </a:lnT>
+                    <a:lnB w="6350" cap="flat" cmpd="sng" algn="ctr">
+                      <a:solidFill>
+                        <a:srgbClr val="000000"/>
+                      </a:solidFill>
+                      <a:prstDash val="solid"/>
+                      <a:round/>
+                      <a:headEnd type="none" w="med" len="med"/>
+                      <a:tailEnd type="none" w="med" len="med"/>
+                    </a:lnB>
+                  </a:tcPr>
+                </a:tc>
+                <a:tc>
+                  <a:txBody>
+                    <a:bodyPr/>
+                    <a:lstStyle/>
+                    <a:p>
+                      <a:pPr algn="ctr" fontAlgn="ctr"/>
+                      <a:r>
+                        <a:rPr lang="en-US" altLang="ja-JP" sz="1100" b="0" i="0" u="none" strike="noStrike">
+                          <a:solidFill>
+                            <a:srgbClr val="000000"/>
+                          </a:solidFill>
+                          <a:effectLst/>
+                          <a:latin typeface="ＭＳ Ｐゴシック"/>
+                        </a:rPr>
+                        <a:t>7.0</a:t>
+                      </a:r>
+                    </a:p>
+                  </a:txBody>
+                  <a:tcPr marL="9525" marR="9525" marT="9525" marB="0" anchor="ctr">
+                    <a:lnL w="6350" cap="flat" cmpd="sng" algn="ctr">
+                      <a:solidFill>
+                        <a:srgbClr val="000000"/>
+                      </a:solidFill>
+                      <a:prstDash val="solid"/>
+                      <a:round/>
+                      <a:headEnd type="none" w="med" len="med"/>
+                      <a:tailEnd type="none" w="med" len="med"/>
+                    </a:lnL>
+                    <a:lnR w="6350" cap="flat" cmpd="sng" algn="ctr">
+                      <a:solidFill>
+                        <a:srgbClr val="000000"/>
+                      </a:solidFill>
+                      <a:prstDash val="solid"/>
+                      <a:round/>
+                      <a:headEnd type="none" w="med" len="med"/>
+                      <a:tailEnd type="none" w="med" len="med"/>
+                    </a:lnR>
+                    <a:lnT w="6350" cap="flat" cmpd="sng" algn="ctr">
+                      <a:solidFill>
+                        <a:srgbClr val="000000"/>
+                      </a:solidFill>
+                      <a:prstDash val="solid"/>
+                      <a:round/>
+                      <a:headEnd type="none" w="med" len="med"/>
+                      <a:tailEnd type="none" w="med" len="med"/>
+                    </a:lnT>
+                    <a:lnB w="6350" cap="flat" cmpd="sng" algn="ctr">
+                      <a:solidFill>
+                        <a:srgbClr val="000000"/>
+                      </a:solidFill>
+                      <a:prstDash val="solid"/>
+                      <a:round/>
+                      <a:headEnd type="none" w="med" len="med"/>
+                      <a:tailEnd type="none" w="med" len="med"/>
+                    </a:lnB>
+                  </a:tcPr>
+                </a:tc>
+                <a:tc>
+                  <a:txBody>
+                    <a:bodyPr/>
+                    <a:lstStyle/>
+                    <a:p>
+                      <a:pPr algn="ctr" fontAlgn="ctr"/>
+                      <a:r>
+                        <a:rPr lang="en-US" altLang="ja-JP" sz="1100" b="0" i="0" u="none" strike="noStrike" dirty="0">
+                          <a:solidFill>
+                            <a:srgbClr val="000000"/>
+                          </a:solidFill>
+                          <a:effectLst/>
+                          <a:latin typeface="ＭＳ Ｐゴシック"/>
+                        </a:rPr>
+                        <a:t>1.5</a:t>
+                      </a:r>
+                    </a:p>
+                  </a:txBody>
+                  <a:tcPr marL="9525" marR="9525" marT="9525" marB="0" anchor="ctr">
+                    <a:lnL w="6350" cap="flat" cmpd="sng" algn="ctr">
+                      <a:solidFill>
+                        <a:srgbClr val="000000"/>
+                      </a:solidFill>
+                      <a:prstDash val="solid"/>
+                      <a:round/>
+                      <a:headEnd type="none" w="med" len="med"/>
+                      <a:tailEnd type="none" w="med" len="med"/>
+                    </a:lnL>
+                    <a:lnR w="6350" cap="flat" cmpd="sng" algn="ctr">
+                      <a:solidFill>
+                        <a:srgbClr val="000000"/>
+                      </a:solidFill>
+                      <a:prstDash val="solid"/>
+                      <a:round/>
+                      <a:headEnd type="none" w="med" len="med"/>
+                      <a:tailEnd type="none" w="med" len="med"/>
+                    </a:lnR>
+                    <a:lnT w="6350" cap="flat" cmpd="sng" algn="ctr">
+                      <a:solidFill>
+                        <a:srgbClr val="000000"/>
+                      </a:solidFill>
+                      <a:prstDash val="solid"/>
+                      <a:round/>
+                      <a:headEnd type="none" w="med" len="med"/>
+                      <a:tailEnd type="none" w="med" len="med"/>
+                    </a:lnT>
+                    <a:lnB w="6350" cap="flat" cmpd="sng" algn="ctr">
+                      <a:solidFill>
+                        <a:srgbClr val="000000"/>
+                      </a:solidFill>
+                      <a:prstDash val="solid"/>
+                      <a:round/>
+                      <a:headEnd type="none" w="med" len="med"/>
+                      <a:tailEnd type="none" w="med" len="med"/>
+                    </a:lnB>
+                    <a:solidFill>
+                      <a:srgbClr val="D8E4BC"/>
+                    </a:solidFill>
+                  </a:tcPr>
+                </a:tc>
+                <a:tc vMerge="1">
+                  <a:txBody>
+                    <a:bodyPr/>
+                    <a:lstStyle/>
+                    <a:p>
+                      <a:endParaRPr kumimoji="1" lang="ja-JP" altLang="en-US"/>
+                    </a:p>
+                  </a:txBody>
+                  <a:tcPr/>
+                </a:tc>
+              </a:tr>
+            </a:tbl>
+          </a:graphicData>
+        </a:graphic>
+      </p:graphicFrame>
+    </p:spTree>
+    <p:extLst>
+      <p:ext uri="{BB962C8B-B14F-4D97-AF65-F5344CB8AC3E}">
+        <p14:creationId xmlns:p14="http://schemas.microsoft.com/office/powerpoint/2010/main" val="3135769820"/>
       </p:ext>
     </p:extLst>
   </p:cSld>
